--- a/topic01-IntelliJ-JVM-and-IO/unit-01a-introduction/talk-1-intro-to-module/intro-to-module.pptx
+++ b/topic01-IntelliJ-JVM-and-IO/unit-01a-introduction/talk-1-intro-to-module/intro-to-module.pptx
@@ -2,7 +2,7 @@
 <file path=ppt/presentation.xml><?xml version="1.0" encoding="utf-8"?>
 <p:presentation xmlns:a="http://schemas.openxmlformats.org/drawingml/2006/main" xmlns:r="http://schemas.openxmlformats.org/officeDocument/2006/relationships" xmlns:p="http://schemas.openxmlformats.org/presentationml/2006/main" saveSubsetFonts="1">
   <p:sldMasterIdLst>
-    <p:sldMasterId id="2147483648" r:id="rId1"/>
+    <p:sldMasterId id="2147483660" r:id="rId1"/>
   </p:sldMasterIdLst>
   <p:notesMasterIdLst>
     <p:notesMasterId r:id="rId14"/>
@@ -2001,8 +2001,8 @@
     <dgm:cxn modelId="{09B7860A-3B53-496B-A4C4-F58F410F02FC}" srcId="{8D76A181-87B2-4D15-9E6E-A755035C7FF0}" destId="{3601B6BF-79A2-4F7E-A659-BFB6E622349E}" srcOrd="0" destOrd="0" parTransId="{F015161B-CA5A-43D3-89E5-BFE92B0B3FFC}" sibTransId="{993BF81A-C875-49AB-8F6C-D62BDD1EABBB}"/>
     <dgm:cxn modelId="{644EBD1D-8B32-4BB9-B56D-D1C203FF90E6}" srcId="{5F0B467B-F0F6-4DDE-B862-5435E49E463E}" destId="{800C748F-759C-437F-A77A-46AF93BCBE24}" srcOrd="0" destOrd="0" parTransId="{14106CA9-9540-42DA-A909-952FA184F49C}" sibTransId="{06372F48-2236-4499-9F39-A95793D19164}"/>
     <dgm:cxn modelId="{385B6629-1294-4014-9192-C51BD51BF1F3}" type="presOf" srcId="{8D76A181-87B2-4D15-9E6E-A755035C7FF0}" destId="{0FE252FB-03E9-427F-A0B7-2B2E42D4D16B}" srcOrd="0" destOrd="0" presId="urn:microsoft.com/office/officeart/2005/8/layout/list1"/>
+    <dgm:cxn modelId="{BCF79E61-3B2C-464E-8D12-795F6731C5A7}" srcId="{D62F838F-8C32-454C-A009-6611E045B501}" destId="{8D76A181-87B2-4D15-9E6E-A755035C7FF0}" srcOrd="1" destOrd="0" parTransId="{6908435C-94B2-441D-A18A-2C7ACF79D48B}" sibTransId="{65B56A89-4F26-4631-8B84-F3A9D3D78689}"/>
     <dgm:cxn modelId="{85706D4A-36CD-49A4-ACFD-799F9EFC9A7E}" srcId="{8D76A181-87B2-4D15-9E6E-A755035C7FF0}" destId="{B789B113-4D9E-413E-940A-A965752A69E9}" srcOrd="1" destOrd="0" parTransId="{422FF158-1C2D-4FE8-85E9-EC5E179570BF}" sibTransId="{35F859F1-BE91-4C39-9905-976B385CB616}"/>
-    <dgm:cxn modelId="{BCF79E61-3B2C-464E-8D12-795F6731C5A7}" srcId="{D62F838F-8C32-454C-A009-6611E045B501}" destId="{8D76A181-87B2-4D15-9E6E-A755035C7FF0}" srcOrd="1" destOrd="0" parTransId="{6908435C-94B2-441D-A18A-2C7ACF79D48B}" sibTransId="{65B56A89-4F26-4631-8B84-F3A9D3D78689}"/>
     <dgm:cxn modelId="{401AFE72-3C44-4710-AF9D-46D71E308FBE}" type="presOf" srcId="{8D76A181-87B2-4D15-9E6E-A755035C7FF0}" destId="{C4102802-4075-437B-8BD7-22D24FAB4788}" srcOrd="1" destOrd="0" presId="urn:microsoft.com/office/officeart/2005/8/layout/list1"/>
     <dgm:cxn modelId="{2BD23C78-90C7-4EE1-B2EE-59950851C9B4}" srcId="{5F0B467B-F0F6-4DDE-B862-5435E49E463E}" destId="{3CB5E735-2C66-4FBF-8E94-78DF6246C05B}" srcOrd="1" destOrd="0" parTransId="{80F4F911-F5A2-47CB-9FC3-E2B37A216B59}" sibTransId="{86B13B97-C854-498D-B45E-06D0F44074EE}"/>
     <dgm:cxn modelId="{CE83C29B-E25A-4E46-AD9E-D5F34047D827}" type="presOf" srcId="{D62F838F-8C32-454C-A009-6611E045B501}" destId="{40CB01BD-E39E-4C58-B7B7-338368EE6A0F}" srcOrd="0" destOrd="0" presId="urn:microsoft.com/office/officeart/2005/8/layout/list1"/>
@@ -2394,7 +2394,7 @@
       </dsp:nvSpPr>
       <dsp:spPr>
         <a:xfrm>
-          <a:off x="426720" y="33540"/>
+          <a:off x="426720" y="33539"/>
           <a:ext cx="5974080" cy="1062720"/>
         </a:xfrm>
         <a:prstGeom prst="roundRect">
@@ -2461,7 +2461,7 @@
         </a:p>
       </dsp:txBody>
       <dsp:txXfrm>
-        <a:off x="478598" y="85418"/>
+        <a:off x="478598" y="85417"/>
         <a:ext cx="5870324" cy="958964"/>
       </dsp:txXfrm>
     </dsp:sp>
@@ -5804,7 +5804,7 @@
           <a:p>
             <a:fld id="{56BC3C30-7F3D-4B20-9974-47C57B22CA6E}" type="datetimeFigureOut">
               <a:rPr lang="en-IE" smtClean="0"/>
-              <a:t>14/01/2024</a:t>
+              <a:t>15/01/2026</a:t>
             </a:fld>
             <a:endParaRPr lang="en-IE"/>
           </a:p>
@@ -6478,9 +6478,10 @@
           <a:lstStyle/>
           <a:p>
             <a:r>
-              <a:rPr lang="en-US" dirty="0"/>
+              <a:rPr lang="en-US"/>
               <a:t>Click to edit Master title style</a:t>
             </a:r>
+            <a:endParaRPr lang="en-US" dirty="0"/>
           </a:p>
         </p:txBody>
       </p:sp>
@@ -6596,9 +6597,10 @@
           </a:lstStyle>
           <a:p>
             <a:r>
-              <a:rPr lang="en-US" dirty="0"/>
+              <a:rPr lang="en-US"/>
               <a:t>Click to edit Master subtitle style</a:t>
             </a:r>
+            <a:endParaRPr lang="en-US" dirty="0"/>
           </a:p>
         </p:txBody>
       </p:sp>
@@ -6620,7 +6622,7 @@
             <a:fld id="{1D8BD707-D9CF-40AE-B4C6-C98DA3205C09}" type="datetimeFigureOut">
               <a:rPr lang="en-US" smtClean="0"/>
               <a:pPr/>
-              <a:t>1/14/24</a:t>
+              <a:t>1/15/2026</a:t>
             </a:fld>
             <a:endParaRPr lang="en-US"/>
           </a:p>
@@ -6670,6 +6672,11 @@
         </p:txBody>
       </p:sp>
     </p:spTree>
+    <p:extLst>
+      <p:ext uri="{BB962C8B-B14F-4D97-AF65-F5344CB8AC3E}">
+        <p14:creationId xmlns:p14="http://schemas.microsoft.com/office/powerpoint/2010/main" val="3699576399"/>
+      </p:ext>
+    </p:extLst>
   </p:cSld>
   <p:clrMapOvr>
     <a:masterClrMapping/>
@@ -6785,7 +6792,7 @@
             <a:fld id="{1D8BD707-D9CF-40AE-B4C6-C98DA3205C09}" type="datetimeFigureOut">
               <a:rPr lang="en-US" smtClean="0"/>
               <a:pPr/>
-              <a:t>1/14/24</a:t>
+              <a:t>1/15/2026</a:t>
             </a:fld>
             <a:endParaRPr lang="en-US"/>
           </a:p>
@@ -6835,6 +6842,11 @@
         </p:txBody>
       </p:sp>
     </p:spTree>
+    <p:extLst>
+      <p:ext uri="{BB962C8B-B14F-4D97-AF65-F5344CB8AC3E}">
+        <p14:creationId xmlns:p14="http://schemas.microsoft.com/office/powerpoint/2010/main" val="2213113108"/>
+      </p:ext>
+    </p:extLst>
   </p:cSld>
   <p:clrMapOvr>
     <a:masterClrMapping/>
@@ -6960,7 +6972,7 @@
             <a:fld id="{1D8BD707-D9CF-40AE-B4C6-C98DA3205C09}" type="datetimeFigureOut">
               <a:rPr lang="en-US" smtClean="0"/>
               <a:pPr/>
-              <a:t>1/14/24</a:t>
+              <a:t>1/15/2026</a:t>
             </a:fld>
             <a:endParaRPr lang="en-US"/>
           </a:p>
@@ -7010,6 +7022,464 @@
         </p:txBody>
       </p:sp>
     </p:spTree>
+    <p:extLst>
+      <p:ext uri="{BB962C8B-B14F-4D97-AF65-F5344CB8AC3E}">
+        <p14:creationId xmlns:p14="http://schemas.microsoft.com/office/powerpoint/2010/main" val="2217790232"/>
+      </p:ext>
+    </p:extLst>
+  </p:cSld>
+  <p:clrMapOvr>
+    <a:masterClrMapping/>
+  </p:clrMapOvr>
+</p:sldLayout>
+</file>
+
+<file path=ppt/slideLayouts/slideLayout12.xml><?xml version="1.0" encoding="utf-8"?>
+<p:sldLayout xmlns:a="http://schemas.openxmlformats.org/drawingml/2006/main" xmlns:r="http://schemas.openxmlformats.org/officeDocument/2006/relationships" xmlns:p="http://schemas.openxmlformats.org/presentationml/2006/main" type="tx">
+  <p:cSld name="Title &amp; Bullets">
+    <p:spTree>
+      <p:nvGrpSpPr>
+        <p:cNvPr id="1" name=""/>
+        <p:cNvGrpSpPr/>
+        <p:nvPr/>
+      </p:nvGrpSpPr>
+      <p:grpSpPr>
+        <a:xfrm>
+          <a:off x="0" y="0"/>
+          <a:ext cx="0" cy="0"/>
+          <a:chOff x="0" y="0"/>
+          <a:chExt cx="0" cy="0"/>
+        </a:xfrm>
+      </p:grpSpPr>
+      <p:sp>
+        <p:nvSpPr>
+          <p:cNvPr id="22" name="Shape 22"/>
+          <p:cNvSpPr>
+            <a:spLocks noGrp="1"/>
+          </p:cNvSpPr>
+          <p:nvPr>
+            <p:ph type="title"/>
+          </p:nvPr>
+        </p:nvSpPr>
+        <p:spPr>
+          <a:prstGeom prst="rect">
+            <a:avLst/>
+          </a:prstGeom>
+        </p:spPr>
+        <p:txBody>
+          <a:bodyPr/>
+          <a:lstStyle/>
+          <a:p>
+            <a:r>
+              <a:rPr lang="en-US"/>
+              <a:t>Click to edit Master title style</a:t>
+            </a:r>
+            <a:endParaRPr/>
+          </a:p>
+        </p:txBody>
+      </p:sp>
+      <p:sp>
+        <p:nvSpPr>
+          <p:cNvPr id="23" name="Shape 23"/>
+          <p:cNvSpPr>
+            <a:spLocks noGrp="1"/>
+          </p:cNvSpPr>
+          <p:nvPr>
+            <p:ph type="body" idx="1"/>
+          </p:nvPr>
+        </p:nvSpPr>
+        <p:spPr>
+          <a:prstGeom prst="rect">
+            <a:avLst/>
+          </a:prstGeom>
+        </p:spPr>
+        <p:txBody>
+          <a:bodyPr/>
+          <a:lstStyle/>
+          <a:p>
+            <a:pPr lvl="0"/>
+            <a:r>
+              <a:rPr lang="en-US"/>
+              <a:t>Click to edit Master text styles</a:t>
+            </a:r>
+          </a:p>
+          <a:p>
+            <a:pPr lvl="1"/>
+            <a:r>
+              <a:rPr lang="en-US"/>
+              <a:t>Second level</a:t>
+            </a:r>
+          </a:p>
+          <a:p>
+            <a:pPr lvl="2"/>
+            <a:r>
+              <a:rPr lang="en-US"/>
+              <a:t>Third level</a:t>
+            </a:r>
+          </a:p>
+          <a:p>
+            <a:pPr lvl="3"/>
+            <a:r>
+              <a:rPr lang="en-US"/>
+              <a:t>Fourth level</a:t>
+            </a:r>
+          </a:p>
+          <a:p>
+            <a:pPr lvl="4"/>
+            <a:r>
+              <a:rPr lang="en-US"/>
+              <a:t>Fifth level</a:t>
+            </a:r>
+            <a:endParaRPr/>
+          </a:p>
+        </p:txBody>
+      </p:sp>
+      <p:sp>
+        <p:nvSpPr>
+          <p:cNvPr id="24" name="Shape 24"/>
+          <p:cNvSpPr>
+            <a:spLocks noGrp="1"/>
+          </p:cNvSpPr>
+          <p:nvPr>
+            <p:ph type="sldNum" sz="quarter" idx="2"/>
+          </p:nvPr>
+        </p:nvSpPr>
+        <p:spPr>
+          <a:prstGeom prst="rect">
+            <a:avLst/>
+          </a:prstGeom>
+        </p:spPr>
+        <p:txBody>
+          <a:bodyPr/>
+          <a:lstStyle/>
+          <a:p>
+            <a:fld id="{B6F15528-21DE-4FAA-801E-634DDDAF4B2B}" type="slidenum">
+              <a:rPr lang="en-US" smtClean="0"/>
+              <a:pPr/>
+              <a:t>‹#›</a:t>
+            </a:fld>
+            <a:endParaRPr lang="en-US"/>
+          </a:p>
+        </p:txBody>
+      </p:sp>
+    </p:spTree>
+    <p:extLst>
+      <p:ext uri="{BB962C8B-B14F-4D97-AF65-F5344CB8AC3E}">
+        <p14:creationId xmlns:p14="http://schemas.microsoft.com/office/powerpoint/2010/main" val="3227356046"/>
+      </p:ext>
+    </p:extLst>
+  </p:cSld>
+  <p:clrMapOvr>
+    <a:masterClrMapping/>
+  </p:clrMapOvr>
+</p:sldLayout>
+</file>
+
+<file path=ppt/slideLayouts/slideLayout13.xml><?xml version="1.0" encoding="utf-8"?>
+<p:sldLayout xmlns:a="http://schemas.openxmlformats.org/drawingml/2006/main" xmlns:r="http://schemas.openxmlformats.org/officeDocument/2006/relationships" xmlns:p="http://schemas.openxmlformats.org/presentationml/2006/main">
+  <p:cSld name="1_Title Slide">
+    <p:spTree>
+      <p:nvGrpSpPr>
+        <p:cNvPr id="1" name=""/>
+        <p:cNvGrpSpPr/>
+        <p:nvPr/>
+      </p:nvGrpSpPr>
+      <p:grpSpPr>
+        <a:xfrm>
+          <a:off x="0" y="0"/>
+          <a:ext cx="0" cy="0"/>
+          <a:chOff x="0" y="0"/>
+          <a:chExt cx="0" cy="0"/>
+        </a:xfrm>
+      </p:grpSpPr>
+      <p:sp>
+        <p:nvSpPr>
+          <p:cNvPr id="15" name="Title Text"/>
+          <p:cNvSpPr txBox="1">
+            <a:spLocks noGrp="1"/>
+          </p:cNvSpPr>
+          <p:nvPr>
+            <p:ph type="title"/>
+          </p:nvPr>
+        </p:nvSpPr>
+        <p:spPr>
+          <a:xfrm>
+            <a:off x="863600" y="2286000"/>
+            <a:ext cx="10464801" cy="1143001"/>
+          </a:xfrm>
+          <a:prstGeom prst="rect">
+            <a:avLst/>
+          </a:prstGeom>
+        </p:spPr>
+        <p:txBody>
+          <a:bodyPr/>
+          <a:lstStyle/>
+          <a:p>
+            <a:r>
+              <a:rPr lang="en-US"/>
+              <a:t>Click to edit Master title style</a:t>
+            </a:r>
+            <a:endParaRPr dirty="0"/>
+          </a:p>
+        </p:txBody>
+      </p:sp>
+      <p:sp>
+        <p:nvSpPr>
+          <p:cNvPr id="16" name="Subtitle"/>
+          <p:cNvSpPr txBox="1">
+            <a:spLocks noGrp="1"/>
+          </p:cNvSpPr>
+          <p:nvPr>
+            <p:ph type="body" sz="quarter" idx="22"/>
+          </p:nvPr>
+        </p:nvSpPr>
+        <p:spPr>
+          <a:xfrm>
+            <a:off x="957115" y="3465604"/>
+            <a:ext cx="10134430" cy="846384"/>
+          </a:xfrm>
+          <a:prstGeom prst="rect">
+            <a:avLst/>
+          </a:prstGeom>
+        </p:spPr>
+        <p:txBody>
+          <a:bodyPr anchor="ctr">
+            <a:spAutoFit/>
+          </a:bodyPr>
+          <a:lstStyle>
+            <a:lvl1pPr marL="0" indent="0" algn="ctr">
+              <a:spcBef>
+                <a:spcPts val="0"/>
+              </a:spcBef>
+              <a:buClrTx/>
+              <a:buSzTx/>
+              <a:buFontTx/>
+              <a:buNone/>
+              <a:defRPr>
+                <a:solidFill>
+                  <a:srgbClr val="2F4468"/>
+                </a:solidFill>
+              </a:defRPr>
+            </a:lvl1pPr>
+          </a:lstStyle>
+          <a:p>
+            <a:pPr lvl="0"/>
+            <a:r>
+              <a:rPr lang="en-US"/>
+              <a:t>Click to edit Master text styles</a:t>
+            </a:r>
+          </a:p>
+        </p:txBody>
+      </p:sp>
+      <p:sp>
+        <p:nvSpPr>
+          <p:cNvPr id="17" name="Slide Number"/>
+          <p:cNvSpPr txBox="1">
+            <a:spLocks noGrp="1"/>
+          </p:cNvSpPr>
+          <p:nvPr>
+            <p:ph type="sldNum" sz="quarter" idx="2"/>
+          </p:nvPr>
+        </p:nvSpPr>
+        <p:spPr>
+          <a:xfrm>
+            <a:off x="11091544" y="6360984"/>
+            <a:ext cx="495649" cy="492440"/>
+          </a:xfrm>
+          <a:prstGeom prst="rect">
+            <a:avLst/>
+          </a:prstGeom>
+        </p:spPr>
+        <p:txBody>
+          <a:bodyPr/>
+          <a:lstStyle>
+            <a:lvl1pPr>
+              <a:defRPr sz="2000"/>
+            </a:lvl1pPr>
+          </a:lstStyle>
+          <a:p>
+            <a:fld id="{B6F15528-21DE-4FAA-801E-634DDDAF4B2B}" type="slidenum">
+              <a:rPr lang="en-US" smtClean="0"/>
+              <a:pPr/>
+              <a:t>‹#›</a:t>
+            </a:fld>
+            <a:endParaRPr lang="en-US"/>
+          </a:p>
+        </p:txBody>
+      </p:sp>
+    </p:spTree>
+    <p:extLst>
+      <p:ext uri="{BB962C8B-B14F-4D97-AF65-F5344CB8AC3E}">
+        <p14:creationId xmlns:p14="http://schemas.microsoft.com/office/powerpoint/2010/main" val="291630044"/>
+      </p:ext>
+    </p:extLst>
+  </p:cSld>
+  <p:clrMapOvr>
+    <a:masterClrMapping/>
+  </p:clrMapOvr>
+  <p:transition spd="med"/>
+</p:sldLayout>
+</file>
+
+<file path=ppt/slideLayouts/slideLayout14.xml><?xml version="1.0" encoding="utf-8"?>
+<p:sldLayout xmlns:a="http://schemas.openxmlformats.org/drawingml/2006/main" xmlns:r="http://schemas.openxmlformats.org/officeDocument/2006/relationships" xmlns:p="http://schemas.openxmlformats.org/presentationml/2006/main" type="txAndChart">
+  <p:cSld name="Title, Text and Chart">
+    <p:spTree>
+      <p:nvGrpSpPr>
+        <p:cNvPr id="1" name=""/>
+        <p:cNvGrpSpPr/>
+        <p:nvPr/>
+      </p:nvGrpSpPr>
+      <p:grpSpPr>
+        <a:xfrm>
+          <a:off x="0" y="0"/>
+          <a:ext cx="0" cy="0"/>
+          <a:chOff x="0" y="0"/>
+          <a:chExt cx="0" cy="0"/>
+        </a:xfrm>
+      </p:grpSpPr>
+      <p:sp>
+        <p:nvSpPr>
+          <p:cNvPr id="2" name="Title 1"/>
+          <p:cNvSpPr>
+            <a:spLocks noGrp="1"/>
+          </p:cNvSpPr>
+          <p:nvPr>
+            <p:ph type="title"/>
+          </p:nvPr>
+        </p:nvSpPr>
+        <p:spPr>
+          <a:xfrm>
+            <a:off x="1320800" y="381000"/>
+            <a:ext cx="10363200" cy="1143000"/>
+          </a:xfrm>
+        </p:spPr>
+        <p:txBody>
+          <a:bodyPr/>
+          <a:lstStyle/>
+          <a:p>
+            <a:r>
+              <a:rPr lang="en-US"/>
+              <a:t>Click to edit Master title style</a:t>
+            </a:r>
+          </a:p>
+        </p:txBody>
+      </p:sp>
+      <p:sp>
+        <p:nvSpPr>
+          <p:cNvPr id="3" name="Text Placeholder 2"/>
+          <p:cNvSpPr>
+            <a:spLocks noGrp="1"/>
+          </p:cNvSpPr>
+          <p:nvPr>
+            <p:ph type="body" sz="half" idx="1"/>
+          </p:nvPr>
+        </p:nvSpPr>
+        <p:spPr>
+          <a:xfrm>
+            <a:off x="1625600" y="1828800"/>
+            <a:ext cx="4876800" cy="4267200"/>
+          </a:xfrm>
+        </p:spPr>
+        <p:txBody>
+          <a:bodyPr/>
+          <a:lstStyle/>
+          <a:p>
+            <a:pPr lvl="0"/>
+            <a:r>
+              <a:rPr lang="en-US"/>
+              <a:t>Click to edit Master text styles</a:t>
+            </a:r>
+          </a:p>
+          <a:p>
+            <a:pPr lvl="1"/>
+            <a:r>
+              <a:rPr lang="en-US"/>
+              <a:t>Second level</a:t>
+            </a:r>
+          </a:p>
+          <a:p>
+            <a:pPr lvl="2"/>
+            <a:r>
+              <a:rPr lang="en-US"/>
+              <a:t>Third level</a:t>
+            </a:r>
+          </a:p>
+          <a:p>
+            <a:pPr lvl="3"/>
+            <a:r>
+              <a:rPr lang="en-US"/>
+              <a:t>Fourth level</a:t>
+            </a:r>
+          </a:p>
+          <a:p>
+            <a:pPr lvl="4"/>
+            <a:r>
+              <a:rPr lang="en-US"/>
+              <a:t>Fifth level</a:t>
+            </a:r>
+          </a:p>
+        </p:txBody>
+      </p:sp>
+      <p:sp>
+        <p:nvSpPr>
+          <p:cNvPr id="4" name="Chart Placeholder 3"/>
+          <p:cNvSpPr>
+            <a:spLocks noGrp="1"/>
+          </p:cNvSpPr>
+          <p:nvPr>
+            <p:ph type="chart" sz="half" idx="2"/>
+          </p:nvPr>
+        </p:nvSpPr>
+        <p:spPr>
+          <a:xfrm>
+            <a:off x="6705600" y="1828800"/>
+            <a:ext cx="4876800" cy="4267200"/>
+          </a:xfrm>
+        </p:spPr>
+        <p:txBody>
+          <a:bodyPr/>
+          <a:lstStyle/>
+          <a:p>
+            <a:pPr lvl="0"/>
+            <a:r>
+              <a:rPr lang="en-US" noProof="0"/>
+              <a:t>Click icon to add chart</a:t>
+            </a:r>
+          </a:p>
+        </p:txBody>
+      </p:sp>
+      <p:sp>
+        <p:nvSpPr>
+          <p:cNvPr id="5" name="Rectangle 1028"/>
+          <p:cNvSpPr>
+            <a:spLocks noGrp="1" noChangeArrowheads="1"/>
+          </p:cNvSpPr>
+          <p:nvPr>
+            <p:ph type="ftr" sz="quarter" idx="10"/>
+          </p:nvPr>
+        </p:nvSpPr>
+        <p:spPr>
+          <a:ln/>
+        </p:spPr>
+        <p:txBody>
+          <a:bodyPr/>
+          <a:lstStyle>
+            <a:lvl1pPr>
+              <a:defRPr/>
+            </a:lvl1pPr>
+          </a:lstStyle>
+          <a:p>
+            <a:endParaRPr lang="en-US"/>
+          </a:p>
+        </p:txBody>
+      </p:sp>
+    </p:spTree>
+    <p:extLst>
+      <p:ext uri="{BB962C8B-B14F-4D97-AF65-F5344CB8AC3E}">
+        <p14:creationId xmlns:p14="http://schemas.microsoft.com/office/powerpoint/2010/main" val="71754718"/>
+      </p:ext>
+    </p:extLst>
   </p:cSld>
   <p:clrMapOvr>
     <a:masterClrMapping/>
@@ -7061,9 +7531,10 @@
           </a:lstStyle>
           <a:p>
             <a:r>
-              <a:rPr lang="en-US" dirty="0"/>
+              <a:rPr lang="en-US"/>
               <a:t>Click to edit Master title style</a:t>
             </a:r>
+            <a:endParaRPr lang="en-US" dirty="0"/>
           </a:p>
         </p:txBody>
       </p:sp>
@@ -7136,7 +7607,7 @@
             <a:fld id="{1D8BD707-D9CF-40AE-B4C6-C98DA3205C09}" type="datetimeFigureOut">
               <a:rPr lang="en-US" smtClean="0"/>
               <a:pPr/>
-              <a:t>1/14/24</a:t>
+              <a:t>1/15/2026</a:t>
             </a:fld>
             <a:endParaRPr lang="en-US"/>
           </a:p>
@@ -7188,6 +7659,138 @@
       <p:cxnSp>
         <p:nvCxnSpPr>
           <p:cNvPr id="7" name="Straight Connector 6"/>
+          <p:cNvCxnSpPr/>
+          <p:nvPr/>
+        </p:nvCxnSpPr>
+        <p:spPr>
+          <a:xfrm>
+            <a:off x="609600" y="1447800"/>
+            <a:ext cx="11074400" cy="0"/>
+          </a:xfrm>
+          <a:prstGeom prst="line">
+            <a:avLst/>
+          </a:prstGeom>
+          <a:ln w="12700">
+            <a:solidFill>
+              <a:schemeClr val="tx1">
+                <a:lumMod val="50000"/>
+                <a:lumOff val="50000"/>
+              </a:schemeClr>
+            </a:solidFill>
+          </a:ln>
+        </p:spPr>
+        <p:style>
+          <a:lnRef idx="1">
+            <a:schemeClr val="accent1"/>
+          </a:lnRef>
+          <a:fillRef idx="0">
+            <a:schemeClr val="accent1"/>
+          </a:fillRef>
+          <a:effectRef idx="0">
+            <a:schemeClr val="accent1"/>
+          </a:effectRef>
+          <a:fontRef idx="minor">
+            <a:schemeClr val="tx1"/>
+          </a:fontRef>
+        </p:style>
+      </p:cxnSp>
+      <p:cxnSp>
+        <p:nvCxnSpPr>
+          <p:cNvPr id="8" name="Straight Connector 7">
+            <a:extLst>
+              <a:ext uri="{FF2B5EF4-FFF2-40B4-BE49-F238E27FC236}">
+                <a16:creationId xmlns:a16="http://schemas.microsoft.com/office/drawing/2014/main" id="{A54FA624-7CFC-3CFB-8384-E3FA99B20E94}"/>
+              </a:ext>
+            </a:extLst>
+          </p:cNvPr>
+          <p:cNvCxnSpPr/>
+          <p:nvPr/>
+        </p:nvCxnSpPr>
+        <p:spPr>
+          <a:xfrm>
+            <a:off x="609600" y="1447800"/>
+            <a:ext cx="11074400" cy="0"/>
+          </a:xfrm>
+          <a:prstGeom prst="line">
+            <a:avLst/>
+          </a:prstGeom>
+          <a:ln w="12700">
+            <a:solidFill>
+              <a:schemeClr val="tx1">
+                <a:lumMod val="50000"/>
+                <a:lumOff val="50000"/>
+              </a:schemeClr>
+            </a:solidFill>
+          </a:ln>
+        </p:spPr>
+        <p:style>
+          <a:lnRef idx="1">
+            <a:schemeClr val="accent1"/>
+          </a:lnRef>
+          <a:fillRef idx="0">
+            <a:schemeClr val="accent1"/>
+          </a:fillRef>
+          <a:effectRef idx="0">
+            <a:schemeClr val="accent1"/>
+          </a:effectRef>
+          <a:fontRef idx="minor">
+            <a:schemeClr val="tx1"/>
+          </a:fontRef>
+        </p:style>
+      </p:cxnSp>
+      <p:cxnSp>
+        <p:nvCxnSpPr>
+          <p:cNvPr id="9" name="Straight Connector 8">
+            <a:extLst>
+              <a:ext uri="{FF2B5EF4-FFF2-40B4-BE49-F238E27FC236}">
+                <a16:creationId xmlns:a16="http://schemas.microsoft.com/office/drawing/2014/main" id="{9C51F014-A304-3672-EB37-723E4843A104}"/>
+              </a:ext>
+            </a:extLst>
+          </p:cNvPr>
+          <p:cNvCxnSpPr/>
+          <p:nvPr/>
+        </p:nvCxnSpPr>
+        <p:spPr>
+          <a:xfrm>
+            <a:off x="609600" y="1447800"/>
+            <a:ext cx="11074400" cy="0"/>
+          </a:xfrm>
+          <a:prstGeom prst="line">
+            <a:avLst/>
+          </a:prstGeom>
+          <a:ln w="12700">
+            <a:solidFill>
+              <a:schemeClr val="tx1">
+                <a:lumMod val="50000"/>
+                <a:lumOff val="50000"/>
+              </a:schemeClr>
+            </a:solidFill>
+          </a:ln>
+        </p:spPr>
+        <p:style>
+          <a:lnRef idx="1">
+            <a:schemeClr val="accent1"/>
+          </a:lnRef>
+          <a:fillRef idx="0">
+            <a:schemeClr val="accent1"/>
+          </a:fillRef>
+          <a:effectRef idx="0">
+            <a:schemeClr val="accent1"/>
+          </a:effectRef>
+          <a:fontRef idx="minor">
+            <a:schemeClr val="tx1"/>
+          </a:fontRef>
+        </p:style>
+      </p:cxnSp>
+      <p:cxnSp>
+        <p:nvCxnSpPr>
+          <p:cNvPr id="10" name="Straight Connector 9">
+            <a:extLst>
+              <a:ext uri="{FF2B5EF4-FFF2-40B4-BE49-F238E27FC236}">
+                <a16:creationId xmlns:a16="http://schemas.microsoft.com/office/drawing/2014/main" id="{033ABA0E-BFD0-4FFC-7A97-618346A07283}"/>
+              </a:ext>
+            </a:extLst>
+          </p:cNvPr>
           <p:cNvCxnSpPr/>
           <p:nvPr userDrawn="1"/>
         </p:nvCxnSpPr>
@@ -7224,6 +7827,11 @@
         </p:style>
       </p:cxnSp>
     </p:spTree>
+    <p:extLst>
+      <p:ext uri="{BB962C8B-B14F-4D97-AF65-F5344CB8AC3E}">
+        <p14:creationId xmlns:p14="http://schemas.microsoft.com/office/powerpoint/2010/main" val="3958676559"/>
+      </p:ext>
+    </p:extLst>
   </p:cSld>
   <p:clrMapOvr>
     <a:masterClrMapping/>
@@ -7416,7 +8024,7 @@
             <a:fld id="{1D8BD707-D9CF-40AE-B4C6-C98DA3205C09}" type="datetimeFigureOut">
               <a:rPr lang="en-US" smtClean="0"/>
               <a:pPr/>
-              <a:t>1/14/24</a:t>
+              <a:t>1/15/2026</a:t>
             </a:fld>
             <a:endParaRPr lang="en-US"/>
           </a:p>
@@ -7466,6 +8074,11 @@
         </p:txBody>
       </p:sp>
     </p:spTree>
+    <p:extLst>
+      <p:ext uri="{BB962C8B-B14F-4D97-AF65-F5344CB8AC3E}">
+        <p14:creationId xmlns:p14="http://schemas.microsoft.com/office/powerpoint/2010/main" val="2512303588"/>
+      </p:ext>
+    </p:extLst>
   </p:cSld>
   <p:clrMapOvr>
     <a:masterClrMapping/>
@@ -7517,9 +8130,10 @@
           </a:lstStyle>
           <a:p>
             <a:r>
-              <a:rPr lang="en-US" dirty="0"/>
+              <a:rPr lang="en-US"/>
               <a:t>Click to edit Master title style</a:t>
             </a:r>
+            <a:endParaRPr lang="en-US" dirty="0"/>
           </a:p>
         </p:txBody>
       </p:sp>
@@ -7709,7 +8323,7 @@
             <a:fld id="{1D8BD707-D9CF-40AE-B4C6-C98DA3205C09}" type="datetimeFigureOut">
               <a:rPr lang="en-US" smtClean="0"/>
               <a:pPr/>
-              <a:t>1/14/24</a:t>
+              <a:t>1/15/2026</a:t>
             </a:fld>
             <a:endParaRPr lang="en-US"/>
           </a:p>
@@ -7761,6 +8375,129 @@
       <p:cxnSp>
         <p:nvCxnSpPr>
           <p:cNvPr id="8" name="Straight Connector 7"/>
+          <p:cNvCxnSpPr/>
+          <p:nvPr/>
+        </p:nvCxnSpPr>
+        <p:spPr>
+          <a:xfrm>
+            <a:off x="609600" y="1447800"/>
+            <a:ext cx="11074400" cy="0"/>
+          </a:xfrm>
+          <a:prstGeom prst="line">
+            <a:avLst/>
+          </a:prstGeom>
+          <a:ln w="12700">
+            <a:solidFill>
+              <a:schemeClr val="tx1"/>
+            </a:solidFill>
+          </a:ln>
+        </p:spPr>
+        <p:style>
+          <a:lnRef idx="1">
+            <a:schemeClr val="accent1"/>
+          </a:lnRef>
+          <a:fillRef idx="0">
+            <a:schemeClr val="accent1"/>
+          </a:fillRef>
+          <a:effectRef idx="0">
+            <a:schemeClr val="accent1"/>
+          </a:effectRef>
+          <a:fontRef idx="minor">
+            <a:schemeClr val="tx1"/>
+          </a:fontRef>
+        </p:style>
+      </p:cxnSp>
+      <p:cxnSp>
+        <p:nvCxnSpPr>
+          <p:cNvPr id="9" name="Straight Connector 8">
+            <a:extLst>
+              <a:ext uri="{FF2B5EF4-FFF2-40B4-BE49-F238E27FC236}">
+                <a16:creationId xmlns:a16="http://schemas.microsoft.com/office/drawing/2014/main" id="{0F42A16B-6893-A143-E832-A99D7B6427B3}"/>
+              </a:ext>
+            </a:extLst>
+          </p:cNvPr>
+          <p:cNvCxnSpPr/>
+          <p:nvPr/>
+        </p:nvCxnSpPr>
+        <p:spPr>
+          <a:xfrm>
+            <a:off x="609600" y="1447800"/>
+            <a:ext cx="11074400" cy="0"/>
+          </a:xfrm>
+          <a:prstGeom prst="line">
+            <a:avLst/>
+          </a:prstGeom>
+          <a:ln w="12700">
+            <a:solidFill>
+              <a:schemeClr val="tx1"/>
+            </a:solidFill>
+          </a:ln>
+        </p:spPr>
+        <p:style>
+          <a:lnRef idx="1">
+            <a:schemeClr val="accent1"/>
+          </a:lnRef>
+          <a:fillRef idx="0">
+            <a:schemeClr val="accent1"/>
+          </a:fillRef>
+          <a:effectRef idx="0">
+            <a:schemeClr val="accent1"/>
+          </a:effectRef>
+          <a:fontRef idx="minor">
+            <a:schemeClr val="tx1"/>
+          </a:fontRef>
+        </p:style>
+      </p:cxnSp>
+      <p:cxnSp>
+        <p:nvCxnSpPr>
+          <p:cNvPr id="10" name="Straight Connector 9">
+            <a:extLst>
+              <a:ext uri="{FF2B5EF4-FFF2-40B4-BE49-F238E27FC236}">
+                <a16:creationId xmlns:a16="http://schemas.microsoft.com/office/drawing/2014/main" id="{9B64861E-C2E3-2C0F-0C43-CF6F042CC211}"/>
+              </a:ext>
+            </a:extLst>
+          </p:cNvPr>
+          <p:cNvCxnSpPr/>
+          <p:nvPr/>
+        </p:nvCxnSpPr>
+        <p:spPr>
+          <a:xfrm>
+            <a:off x="609600" y="1447800"/>
+            <a:ext cx="11074400" cy="0"/>
+          </a:xfrm>
+          <a:prstGeom prst="line">
+            <a:avLst/>
+          </a:prstGeom>
+          <a:ln w="12700">
+            <a:solidFill>
+              <a:schemeClr val="tx1"/>
+            </a:solidFill>
+          </a:ln>
+        </p:spPr>
+        <p:style>
+          <a:lnRef idx="1">
+            <a:schemeClr val="accent1"/>
+          </a:lnRef>
+          <a:fillRef idx="0">
+            <a:schemeClr val="accent1"/>
+          </a:fillRef>
+          <a:effectRef idx="0">
+            <a:schemeClr val="accent1"/>
+          </a:effectRef>
+          <a:fontRef idx="minor">
+            <a:schemeClr val="tx1"/>
+          </a:fontRef>
+        </p:style>
+      </p:cxnSp>
+      <p:cxnSp>
+        <p:nvCxnSpPr>
+          <p:cNvPr id="11" name="Straight Connector 10">
+            <a:extLst>
+              <a:ext uri="{FF2B5EF4-FFF2-40B4-BE49-F238E27FC236}">
+                <a16:creationId xmlns:a16="http://schemas.microsoft.com/office/drawing/2014/main" id="{11CA3013-A7FD-9B04-E782-3D11A6F03FF9}"/>
+              </a:ext>
+            </a:extLst>
+          </p:cNvPr>
           <p:cNvCxnSpPr/>
           <p:nvPr userDrawn="1"/>
         </p:nvCxnSpPr>
@@ -7794,6 +8531,11 @@
         </p:style>
       </p:cxnSp>
     </p:spTree>
+    <p:extLst>
+      <p:ext uri="{BB962C8B-B14F-4D97-AF65-F5344CB8AC3E}">
+        <p14:creationId xmlns:p14="http://schemas.microsoft.com/office/powerpoint/2010/main" val="370018239"/>
+      </p:ext>
+    </p:extLst>
   </p:cSld>
   <p:clrMapOvr>
     <a:masterClrMapping/>
@@ -7845,9 +8587,10 @@
           </a:lstStyle>
           <a:p>
             <a:r>
-              <a:rPr lang="en-US" dirty="0"/>
+              <a:rPr lang="en-US"/>
               <a:t>Click to edit Master title style</a:t>
             </a:r>
+            <a:endParaRPr lang="en-US" dirty="0"/>
           </a:p>
         </p:txBody>
       </p:sp>
@@ -8167,7 +8910,7 @@
             <a:fld id="{1D8BD707-D9CF-40AE-B4C6-C98DA3205C09}" type="datetimeFigureOut">
               <a:rPr lang="en-US" smtClean="0"/>
               <a:pPr/>
-              <a:t>1/14/24</a:t>
+              <a:t>1/15/2026</a:t>
             </a:fld>
             <a:endParaRPr lang="en-US"/>
           </a:p>
@@ -8219,6 +8962,88 @@
       <p:cxnSp>
         <p:nvCxnSpPr>
           <p:cNvPr id="10" name="Straight Connector 9"/>
+          <p:cNvCxnSpPr/>
+          <p:nvPr/>
+        </p:nvCxnSpPr>
+        <p:spPr>
+          <a:xfrm>
+            <a:off x="609600" y="1447800"/>
+            <a:ext cx="11074400" cy="0"/>
+          </a:xfrm>
+          <a:prstGeom prst="line">
+            <a:avLst/>
+          </a:prstGeom>
+          <a:ln w="12700">
+            <a:solidFill>
+              <a:schemeClr val="tx1"/>
+            </a:solidFill>
+          </a:ln>
+        </p:spPr>
+        <p:style>
+          <a:lnRef idx="1">
+            <a:schemeClr val="accent1"/>
+          </a:lnRef>
+          <a:fillRef idx="0">
+            <a:schemeClr val="accent1"/>
+          </a:fillRef>
+          <a:effectRef idx="0">
+            <a:schemeClr val="accent1"/>
+          </a:effectRef>
+          <a:fontRef idx="minor">
+            <a:schemeClr val="tx1"/>
+          </a:fontRef>
+        </p:style>
+      </p:cxnSp>
+      <p:cxnSp>
+        <p:nvCxnSpPr>
+          <p:cNvPr id="11" name="Straight Connector 10">
+            <a:extLst>
+              <a:ext uri="{FF2B5EF4-FFF2-40B4-BE49-F238E27FC236}">
+                <a16:creationId xmlns:a16="http://schemas.microsoft.com/office/drawing/2014/main" id="{F3436290-11E2-F20B-966B-F18296CC48D7}"/>
+              </a:ext>
+            </a:extLst>
+          </p:cNvPr>
+          <p:cNvCxnSpPr/>
+          <p:nvPr/>
+        </p:nvCxnSpPr>
+        <p:spPr>
+          <a:xfrm>
+            <a:off x="609600" y="1447800"/>
+            <a:ext cx="11074400" cy="0"/>
+          </a:xfrm>
+          <a:prstGeom prst="line">
+            <a:avLst/>
+          </a:prstGeom>
+          <a:ln w="12700">
+            <a:solidFill>
+              <a:schemeClr val="tx1"/>
+            </a:solidFill>
+          </a:ln>
+        </p:spPr>
+        <p:style>
+          <a:lnRef idx="1">
+            <a:schemeClr val="accent1"/>
+          </a:lnRef>
+          <a:fillRef idx="0">
+            <a:schemeClr val="accent1"/>
+          </a:fillRef>
+          <a:effectRef idx="0">
+            <a:schemeClr val="accent1"/>
+          </a:effectRef>
+          <a:fontRef idx="minor">
+            <a:schemeClr val="tx1"/>
+          </a:fontRef>
+        </p:style>
+      </p:cxnSp>
+      <p:cxnSp>
+        <p:nvCxnSpPr>
+          <p:cNvPr id="12" name="Straight Connector 11">
+            <a:extLst>
+              <a:ext uri="{FF2B5EF4-FFF2-40B4-BE49-F238E27FC236}">
+                <a16:creationId xmlns:a16="http://schemas.microsoft.com/office/drawing/2014/main" id="{6AEFD405-1305-62EC-95A1-91739287FC18}"/>
+              </a:ext>
+            </a:extLst>
+          </p:cNvPr>
           <p:cNvCxnSpPr/>
           <p:nvPr userDrawn="1"/>
         </p:nvCxnSpPr>
@@ -8252,6 +9077,11 @@
         </p:style>
       </p:cxnSp>
     </p:spTree>
+    <p:extLst>
+      <p:ext uri="{BB962C8B-B14F-4D97-AF65-F5344CB8AC3E}">
+        <p14:creationId xmlns:p14="http://schemas.microsoft.com/office/powerpoint/2010/main" val="2573668977"/>
+      </p:ext>
+    </p:extLst>
   </p:cSld>
   <p:clrMapOvr>
     <a:masterClrMapping/>
@@ -8303,9 +9133,10 @@
           </a:lstStyle>
           <a:p>
             <a:r>
-              <a:rPr lang="en-US" dirty="0"/>
+              <a:rPr lang="en-US"/>
               <a:t>Click to edit Master title style</a:t>
             </a:r>
+            <a:endParaRPr lang="en-US" dirty="0"/>
           </a:p>
         </p:txBody>
       </p:sp>
@@ -8327,7 +9158,7 @@
             <a:fld id="{1D8BD707-D9CF-40AE-B4C6-C98DA3205C09}" type="datetimeFigureOut">
               <a:rPr lang="en-US" smtClean="0"/>
               <a:pPr/>
-              <a:t>1/14/24</a:t>
+              <a:t>1/15/2026</a:t>
             </a:fld>
             <a:endParaRPr lang="en-US"/>
           </a:p>
@@ -8379,6 +9210,129 @@
       <p:cxnSp>
         <p:nvCxnSpPr>
           <p:cNvPr id="6" name="Straight Connector 5"/>
+          <p:cNvCxnSpPr/>
+          <p:nvPr/>
+        </p:nvCxnSpPr>
+        <p:spPr>
+          <a:xfrm>
+            <a:off x="609600" y="1447800"/>
+            <a:ext cx="11074400" cy="0"/>
+          </a:xfrm>
+          <a:prstGeom prst="line">
+            <a:avLst/>
+          </a:prstGeom>
+          <a:ln w="12700">
+            <a:solidFill>
+              <a:schemeClr val="tx1"/>
+            </a:solidFill>
+          </a:ln>
+        </p:spPr>
+        <p:style>
+          <a:lnRef idx="1">
+            <a:schemeClr val="accent1"/>
+          </a:lnRef>
+          <a:fillRef idx="0">
+            <a:schemeClr val="accent1"/>
+          </a:fillRef>
+          <a:effectRef idx="0">
+            <a:schemeClr val="accent1"/>
+          </a:effectRef>
+          <a:fontRef idx="minor">
+            <a:schemeClr val="tx1"/>
+          </a:fontRef>
+        </p:style>
+      </p:cxnSp>
+      <p:cxnSp>
+        <p:nvCxnSpPr>
+          <p:cNvPr id="7" name="Straight Connector 6">
+            <a:extLst>
+              <a:ext uri="{FF2B5EF4-FFF2-40B4-BE49-F238E27FC236}">
+                <a16:creationId xmlns:a16="http://schemas.microsoft.com/office/drawing/2014/main" id="{BDB4946F-2A50-46DF-D246-8E463A5B9E4E}"/>
+              </a:ext>
+            </a:extLst>
+          </p:cNvPr>
+          <p:cNvCxnSpPr/>
+          <p:nvPr/>
+        </p:nvCxnSpPr>
+        <p:spPr>
+          <a:xfrm>
+            <a:off x="609600" y="1447800"/>
+            <a:ext cx="11074400" cy="0"/>
+          </a:xfrm>
+          <a:prstGeom prst="line">
+            <a:avLst/>
+          </a:prstGeom>
+          <a:ln w="12700">
+            <a:solidFill>
+              <a:schemeClr val="tx1"/>
+            </a:solidFill>
+          </a:ln>
+        </p:spPr>
+        <p:style>
+          <a:lnRef idx="1">
+            <a:schemeClr val="accent1"/>
+          </a:lnRef>
+          <a:fillRef idx="0">
+            <a:schemeClr val="accent1"/>
+          </a:fillRef>
+          <a:effectRef idx="0">
+            <a:schemeClr val="accent1"/>
+          </a:effectRef>
+          <a:fontRef idx="minor">
+            <a:schemeClr val="tx1"/>
+          </a:fontRef>
+        </p:style>
+      </p:cxnSp>
+      <p:cxnSp>
+        <p:nvCxnSpPr>
+          <p:cNvPr id="8" name="Straight Connector 7">
+            <a:extLst>
+              <a:ext uri="{FF2B5EF4-FFF2-40B4-BE49-F238E27FC236}">
+                <a16:creationId xmlns:a16="http://schemas.microsoft.com/office/drawing/2014/main" id="{CCF61A43-37C0-D158-13BE-1753663F3BEC}"/>
+              </a:ext>
+            </a:extLst>
+          </p:cNvPr>
+          <p:cNvCxnSpPr/>
+          <p:nvPr/>
+        </p:nvCxnSpPr>
+        <p:spPr>
+          <a:xfrm>
+            <a:off x="609600" y="1447800"/>
+            <a:ext cx="11074400" cy="0"/>
+          </a:xfrm>
+          <a:prstGeom prst="line">
+            <a:avLst/>
+          </a:prstGeom>
+          <a:ln w="12700">
+            <a:solidFill>
+              <a:schemeClr val="tx1"/>
+            </a:solidFill>
+          </a:ln>
+        </p:spPr>
+        <p:style>
+          <a:lnRef idx="1">
+            <a:schemeClr val="accent1"/>
+          </a:lnRef>
+          <a:fillRef idx="0">
+            <a:schemeClr val="accent1"/>
+          </a:fillRef>
+          <a:effectRef idx="0">
+            <a:schemeClr val="accent1"/>
+          </a:effectRef>
+          <a:fontRef idx="minor">
+            <a:schemeClr val="tx1"/>
+          </a:fontRef>
+        </p:style>
+      </p:cxnSp>
+      <p:cxnSp>
+        <p:nvCxnSpPr>
+          <p:cNvPr id="9" name="Straight Connector 8">
+            <a:extLst>
+              <a:ext uri="{FF2B5EF4-FFF2-40B4-BE49-F238E27FC236}">
+                <a16:creationId xmlns:a16="http://schemas.microsoft.com/office/drawing/2014/main" id="{C1337FE5-1D06-06D8-1216-C9BDBEFC63F9}"/>
+              </a:ext>
+            </a:extLst>
+          </p:cNvPr>
           <p:cNvCxnSpPr/>
           <p:nvPr userDrawn="1"/>
         </p:nvCxnSpPr>
@@ -8412,6 +9366,11 @@
         </p:style>
       </p:cxnSp>
     </p:spTree>
+    <p:extLst>
+      <p:ext uri="{BB962C8B-B14F-4D97-AF65-F5344CB8AC3E}">
+        <p14:creationId xmlns:p14="http://schemas.microsoft.com/office/powerpoint/2010/main" val="842640891"/>
+      </p:ext>
+    </p:extLst>
   </p:cSld>
   <p:clrMapOvr>
     <a:masterClrMapping/>
@@ -8454,7 +9413,7 @@
             <a:fld id="{1D8BD707-D9CF-40AE-B4C6-C98DA3205C09}" type="datetimeFigureOut">
               <a:rPr lang="en-US" smtClean="0"/>
               <a:pPr/>
-              <a:t>1/14/24</a:t>
+              <a:t>1/15/2026</a:t>
             </a:fld>
             <a:endParaRPr lang="en-US"/>
           </a:p>
@@ -8504,6 +9463,11 @@
         </p:txBody>
       </p:sp>
     </p:spTree>
+    <p:extLst>
+      <p:ext uri="{BB962C8B-B14F-4D97-AF65-F5344CB8AC3E}">
+        <p14:creationId xmlns:p14="http://schemas.microsoft.com/office/powerpoint/2010/main" val="3735524367"/>
+      </p:ext>
+    </p:extLst>
   </p:cSld>
   <p:clrMapOvr>
     <a:masterClrMapping/>
@@ -8726,7 +9690,7 @@
             <a:fld id="{1D8BD707-D9CF-40AE-B4C6-C98DA3205C09}" type="datetimeFigureOut">
               <a:rPr lang="en-US" smtClean="0"/>
               <a:pPr/>
-              <a:t>1/14/24</a:t>
+              <a:t>1/15/2026</a:t>
             </a:fld>
             <a:endParaRPr lang="en-US"/>
           </a:p>
@@ -8776,6 +9740,11 @@
         </p:txBody>
       </p:sp>
     </p:spTree>
+    <p:extLst>
+      <p:ext uri="{BB962C8B-B14F-4D97-AF65-F5344CB8AC3E}">
+        <p14:creationId xmlns:p14="http://schemas.microsoft.com/office/powerpoint/2010/main" val="2013163925"/>
+      </p:ext>
+    </p:extLst>
   </p:cSld>
   <p:clrMapOvr>
     <a:masterClrMapping/>
@@ -8888,7 +9857,10 @@
             </a:lvl9pPr>
           </a:lstStyle>
           <a:p>
-            <a:endParaRPr lang="en-US"/>
+            <a:r>
+              <a:rPr lang="en-US"/>
+              <a:t>Click icon to add picture</a:t>
+            </a:r>
           </a:p>
         </p:txBody>
       </p:sp>
@@ -8975,7 +9947,7 @@
             <a:fld id="{1D8BD707-D9CF-40AE-B4C6-C98DA3205C09}" type="datetimeFigureOut">
               <a:rPr lang="en-US" smtClean="0"/>
               <a:pPr/>
-              <a:t>1/14/24</a:t>
+              <a:t>1/15/2026</a:t>
             </a:fld>
             <a:endParaRPr lang="en-US"/>
           </a:p>
@@ -9025,6 +9997,11 @@
         </p:txBody>
       </p:sp>
     </p:spTree>
+    <p:extLst>
+      <p:ext uri="{BB962C8B-B14F-4D97-AF65-F5344CB8AC3E}">
+        <p14:creationId xmlns:p14="http://schemas.microsoft.com/office/powerpoint/2010/main" val="4112767623"/>
+      </p:ext>
+    </p:extLst>
   </p:cSld>
   <p:clrMapOvr>
     <a:masterClrMapping/>
@@ -9036,9 +10013,12 @@
 <p:sldMaster xmlns:a="http://schemas.openxmlformats.org/drawingml/2006/main" xmlns:r="http://schemas.openxmlformats.org/officeDocument/2006/relationships" xmlns:p="http://schemas.openxmlformats.org/presentationml/2006/main">
   <p:cSld>
     <p:bg>
-      <p:bgRef idx="1001">
-        <a:schemeClr val="bg1"/>
-      </p:bgRef>
+      <p:bgPr>
+        <a:solidFill>
+          <a:schemeClr val="bg1"/>
+        </a:solidFill>
+        <a:effectLst/>
+      </p:bgPr>
     </p:bg>
     <p:spTree>
       <p:nvGrpSpPr>
@@ -9183,7 +10163,7 @@
             <a:fld id="{1D8BD707-D9CF-40AE-B4C6-C98DA3205C09}" type="datetimeFigureOut">
               <a:rPr lang="en-US" smtClean="0"/>
               <a:pPr/>
-              <a:t>1/14/24</a:t>
+              <a:t>1/15/2026</a:t>
             </a:fld>
             <a:endParaRPr lang="en-US"/>
           </a:p>
@@ -9269,20 +10249,28 @@
         </p:txBody>
       </p:sp>
     </p:spTree>
+    <p:extLst>
+      <p:ext uri="{BB962C8B-B14F-4D97-AF65-F5344CB8AC3E}">
+        <p14:creationId xmlns:p14="http://schemas.microsoft.com/office/powerpoint/2010/main" val="1088212015"/>
+      </p:ext>
+    </p:extLst>
   </p:cSld>
   <p:clrMap bg1="lt1" tx1="dk1" bg2="lt2" tx2="dk2" accent1="accent1" accent2="accent2" accent3="accent3" accent4="accent4" accent5="accent5" accent6="accent6" hlink="hlink" folHlink="folHlink"/>
   <p:sldLayoutIdLst>
-    <p:sldLayoutId id="2147483649" r:id="rId1"/>
-    <p:sldLayoutId id="2147483650" r:id="rId2"/>
-    <p:sldLayoutId id="2147483651" r:id="rId3"/>
-    <p:sldLayoutId id="2147483652" r:id="rId4"/>
-    <p:sldLayoutId id="2147483653" r:id="rId5"/>
-    <p:sldLayoutId id="2147483654" r:id="rId6"/>
-    <p:sldLayoutId id="2147483655" r:id="rId7"/>
-    <p:sldLayoutId id="2147483656" r:id="rId8"/>
-    <p:sldLayoutId id="2147483657" r:id="rId9"/>
-    <p:sldLayoutId id="2147483658" r:id="rId10"/>
-    <p:sldLayoutId id="2147483659" r:id="rId11"/>
+    <p:sldLayoutId id="2147483661" r:id="rId1"/>
+    <p:sldLayoutId id="2147483662" r:id="rId2"/>
+    <p:sldLayoutId id="2147483663" r:id="rId3"/>
+    <p:sldLayoutId id="2147483664" r:id="rId4"/>
+    <p:sldLayoutId id="2147483665" r:id="rId5"/>
+    <p:sldLayoutId id="2147483666" r:id="rId6"/>
+    <p:sldLayoutId id="2147483667" r:id="rId7"/>
+    <p:sldLayoutId id="2147483668" r:id="rId8"/>
+    <p:sldLayoutId id="2147483669" r:id="rId9"/>
+    <p:sldLayoutId id="2147483670" r:id="rId10"/>
+    <p:sldLayoutId id="2147483671" r:id="rId11"/>
+    <p:sldLayoutId id="2147483672" r:id="rId12"/>
+    <p:sldLayoutId id="2147483673" r:id="rId13"/>
+    <p:sldLayoutId id="2147483674" r:id="rId14"/>
   </p:sldLayoutIdLst>
   <p:txStyles>
     <p:titleStyle>
@@ -9928,7 +10916,7 @@
           <p:nvPr/>
         </p:nvPicPr>
         <p:blipFill>
-          <a:blip r:embed="rId2">
+          <a:blip r:embed="rId2" cstate="print">
             <a:extLst>
               <a:ext uri="{28A0092B-C50C-407E-A947-70E740481C1C}">
                 <a14:useLocalDpi xmlns:a14="http://schemas.microsoft.com/office/drawing/2010/main" val="0"/>
@@ -10490,9 +11478,15 @@
       </p:sp>
       <p:pic>
         <p:nvPicPr>
-          <p:cNvPr id="3074" name="Picture 2" descr="Image result for questions"/>
+          <p:cNvPr id="3" name="Picture 2" descr="A green question mark in a circle&#10;&#10;AI-generated content may be incorrect.">
+            <a:extLst>
+              <a:ext uri="{FF2B5EF4-FFF2-40B4-BE49-F238E27FC236}">
+                <a16:creationId xmlns:a16="http://schemas.microsoft.com/office/drawing/2014/main" id="{A30EF653-AC22-0839-28C5-CDD9BD3E56F9}"/>
+              </a:ext>
+            </a:extLst>
+          </p:cNvPr>
           <p:cNvPicPr>
-            <a:picLocks noChangeAspect="1" noChangeArrowheads="1"/>
+            <a:picLocks noChangeAspect="1"/>
           </p:cNvPicPr>
           <p:nvPr/>
         </p:nvPicPr>
@@ -10504,29 +11498,18 @@
               </a:ext>
             </a:extLst>
           </a:blip>
-          <a:srcRect/>
           <a:stretch>
             <a:fillRect/>
           </a:stretch>
         </p:blipFill>
-        <p:spPr bwMode="auto">
+        <p:spPr>
           <a:xfrm>
-            <a:off x="3810000" y="2057401"/>
-            <a:ext cx="4343400" cy="3509469"/>
+            <a:off x="2971800" y="1325562"/>
+            <a:ext cx="5257800" cy="5257800"/>
           </a:xfrm>
           <a:prstGeom prst="rect">
             <a:avLst/>
           </a:prstGeom>
-          <a:noFill/>
-          <a:extLst>
-            <a:ext uri="{909E8E84-426E-40DD-AFC4-6F175D3DCCD1}">
-              <a14:hiddenFill xmlns:a14="http://schemas.microsoft.com/office/drawing/2010/main">
-                <a:solidFill>
-                  <a:srgbClr val="FFFFFF"/>
-                </a:solidFill>
-              </a14:hiddenFill>
-            </a:ext>
-          </a:extLst>
         </p:spPr>
       </p:pic>
     </p:spTree>
@@ -10621,8 +11604,8 @@
         </p:nvSpPr>
         <p:spPr>
           <a:xfrm>
-            <a:off x="1981200" y="1830388"/>
-            <a:ext cx="8229600" cy="4525963"/>
+            <a:off x="0" y="1830388"/>
+            <a:ext cx="8229600" cy="4525962"/>
           </a:xfrm>
           <a:prstGeom prst="rect">
             <a:avLst/>
@@ -11547,10 +12530,10 @@
       </p:sp>
       <p:pic>
         <p:nvPicPr>
-          <p:cNvPr id="3076" name="Picture 4" descr="Image result for intellij icon">
+          <p:cNvPr id="3074" name="Picture 2" descr="Image result for java">
             <a:extLst>
               <a:ext uri="{FF2B5EF4-FFF2-40B4-BE49-F238E27FC236}">
-                <a16:creationId xmlns:a16="http://schemas.microsoft.com/office/drawing/2014/main" id="{5056CD6A-22A5-460D-B554-B6B54002BE07}"/>
+                <a16:creationId xmlns:a16="http://schemas.microsoft.com/office/drawing/2014/main" id="{667526F7-82EB-4E1F-BEA3-BC94D2CEAE2D}"/>
               </a:ext>
             </a:extLst>
           </p:cNvPr>
@@ -11574,7 +12557,7 @@
         </p:blipFill>
         <p:spPr bwMode="auto">
           <a:xfrm>
-            <a:off x="1521020" y="1564075"/>
+            <a:off x="8891793" y="1564075"/>
             <a:ext cx="1837944" cy="1837944"/>
           </a:xfrm>
           <a:prstGeom prst="rect">
@@ -11594,10 +12577,10 @@
       </p:pic>
       <p:pic>
         <p:nvPicPr>
-          <p:cNvPr id="3074" name="Picture 2" descr="Image result for java">
+          <p:cNvPr id="1026" name="Picture 2">
             <a:extLst>
               <a:ext uri="{FF2B5EF4-FFF2-40B4-BE49-F238E27FC236}">
-                <a16:creationId xmlns:a16="http://schemas.microsoft.com/office/drawing/2014/main" id="{667526F7-82EB-4E1F-BEA3-BC94D2CEAE2D}"/>
+                <a16:creationId xmlns:a16="http://schemas.microsoft.com/office/drawing/2014/main" id="{655E452B-70B4-206C-4B36-56DBF000687B}"/>
               </a:ext>
             </a:extLst>
           </p:cNvPr>
@@ -11607,7 +12590,7 @@
           <p:nvPr/>
         </p:nvPicPr>
         <p:blipFill>
-          <a:blip r:embed="rId4" cstate="print">
+          <a:blip r:embed="rId4">
             <a:extLst>
               <a:ext uri="{28A0092B-C50C-407E-A947-70E740481C1C}">
                 <a14:useLocalDpi xmlns:a14="http://schemas.microsoft.com/office/drawing/2010/main" val="0"/>
@@ -11621,8 +12604,8 @@
         </p:blipFill>
         <p:spPr bwMode="auto">
           <a:xfrm>
-            <a:off x="8891793" y="1564075"/>
-            <a:ext cx="1837944" cy="1837944"/>
+            <a:off x="1457598" y="1825822"/>
+            <a:ext cx="2143125" cy="2143125"/>
           </a:xfrm>
           <a:prstGeom prst="rect">
             <a:avLst/>
@@ -11869,12 +12852,1463 @@
           </a:p>
         </p:txBody>
       </p:sp>
+      <p:graphicFrame>
+        <p:nvGraphicFramePr>
+          <p:cNvPr id="3" name="Table 2">
+            <a:extLst>
+              <a:ext uri="{FF2B5EF4-FFF2-40B4-BE49-F238E27FC236}">
+                <a16:creationId xmlns:a16="http://schemas.microsoft.com/office/drawing/2014/main" id="{E02AA399-2DF7-E800-BE2F-E50645DED1D3}"/>
+              </a:ext>
+            </a:extLst>
+          </p:cNvPr>
+          <p:cNvGraphicFramePr>
+            <a:graphicFrameLocks noGrp="1"/>
+          </p:cNvGraphicFramePr>
+          <p:nvPr>
+            <p:extLst>
+              <p:ext uri="{D42A27DB-BD31-4B8C-83A1-F6EECF244321}">
+                <p14:modId xmlns:p14="http://schemas.microsoft.com/office/powerpoint/2010/main" val="3988906788"/>
+              </p:ext>
+            </p:extLst>
+          </p:nvPr>
+        </p:nvGraphicFramePr>
+        <p:xfrm>
+          <a:off x="2743200" y="1711325"/>
+          <a:ext cx="5270501" cy="4850262"/>
+        </p:xfrm>
+        <a:graphic>
+          <a:graphicData uri="http://schemas.openxmlformats.org/drawingml/2006/table">
+            <a:tbl>
+              <a:tblPr>
+                <a:tableStyleId>{5C22544A-7EE6-4342-B048-85BDC9FD1C3A}</a:tableStyleId>
+              </a:tblPr>
+              <a:tblGrid>
+                <a:gridCol w="1727747">
+                  <a:extLst>
+                    <a:ext uri="{9D8B030D-6E8A-4147-A177-3AD203B41FA5}">
+                      <a16:colId xmlns:a16="http://schemas.microsoft.com/office/drawing/2014/main" val="4178617532"/>
+                    </a:ext>
+                  </a:extLst>
+                </a:gridCol>
+                <a:gridCol w="1780103">
+                  <a:extLst>
+                    <a:ext uri="{9D8B030D-6E8A-4147-A177-3AD203B41FA5}">
+                      <a16:colId xmlns:a16="http://schemas.microsoft.com/office/drawing/2014/main" val="2601384735"/>
+                    </a:ext>
+                  </a:extLst>
+                </a:gridCol>
+                <a:gridCol w="1762651">
+                  <a:extLst>
+                    <a:ext uri="{9D8B030D-6E8A-4147-A177-3AD203B41FA5}">
+                      <a16:colId xmlns:a16="http://schemas.microsoft.com/office/drawing/2014/main" val="659078513"/>
+                    </a:ext>
+                  </a:extLst>
+                </a:gridCol>
+              </a:tblGrid>
+              <a:tr h="376406">
+                <a:tc>
+                  <a:txBody>
+                    <a:bodyPr/>
+                    <a:lstStyle/>
+                    <a:p>
+                      <a:pPr algn="ctr" fontAlgn="b">
+                        <a:buNone/>
+                      </a:pPr>
+                      <a:r>
+                        <a:rPr lang="en-IE" sz="1600" u="none" strike="noStrike">
+                          <a:effectLst/>
+                        </a:rPr>
+                        <a:t>Week No</a:t>
+                      </a:r>
+                      <a:endParaRPr lang="en-IE" sz="1600" b="1" i="0" u="none" strike="noStrike">
+                        <a:solidFill>
+                          <a:srgbClr val="FFFFFF"/>
+                        </a:solidFill>
+                        <a:effectLst/>
+                        <a:latin typeface="Calibri" panose="020F0502020204030204" pitchFamily="34" charset="0"/>
+                      </a:endParaRPr>
+                    </a:p>
+                  </a:txBody>
+                  <a:tcPr marL="7620" marR="7620" marT="7620" marB="0" anchor="b"/>
+                </a:tc>
+                <a:tc>
+                  <a:txBody>
+                    <a:bodyPr/>
+                    <a:lstStyle/>
+                    <a:p>
+                      <a:pPr algn="ctr" fontAlgn="b">
+                        <a:buNone/>
+                      </a:pPr>
+                      <a:r>
+                        <a:rPr lang="en-IE" sz="1600" u="none" strike="noStrike">
+                          <a:effectLst/>
+                        </a:rPr>
+                        <a:t>Type</a:t>
+                      </a:r>
+                      <a:endParaRPr lang="en-IE" sz="1600" b="1" i="0" u="none" strike="noStrike">
+                        <a:solidFill>
+                          <a:srgbClr val="FFFFFF"/>
+                        </a:solidFill>
+                        <a:effectLst/>
+                        <a:latin typeface="Calibri" panose="020F0502020204030204" pitchFamily="34" charset="0"/>
+                      </a:endParaRPr>
+                    </a:p>
+                  </a:txBody>
+                  <a:tcPr marL="7620" marR="7620" marT="7620" marB="0" anchor="b"/>
+                </a:tc>
+                <a:tc>
+                  <a:txBody>
+                    <a:bodyPr/>
+                    <a:lstStyle/>
+                    <a:p>
+                      <a:pPr algn="ctr" fontAlgn="b">
+                        <a:buNone/>
+                      </a:pPr>
+                      <a:r>
+                        <a:rPr lang="en-IE" sz="1600" u="none" strike="noStrike">
+                          <a:effectLst/>
+                        </a:rPr>
+                        <a:t>Date Starts</a:t>
+                      </a:r>
+                      <a:endParaRPr lang="en-IE" sz="1600" b="1" i="0" u="none" strike="noStrike">
+                        <a:solidFill>
+                          <a:srgbClr val="FFFFFF"/>
+                        </a:solidFill>
+                        <a:effectLst/>
+                        <a:latin typeface="Calibri" panose="020F0502020204030204" pitchFamily="34" charset="0"/>
+                      </a:endParaRPr>
+                    </a:p>
+                  </a:txBody>
+                  <a:tcPr marL="7620" marR="7620" marT="7620" marB="0" anchor="b"/>
+                </a:tc>
+                <a:extLst>
+                  <a:ext uri="{0D108BD9-81ED-4DB2-BD59-A6C34878D82A}">
+                    <a16:rowId xmlns:a16="http://schemas.microsoft.com/office/drawing/2014/main" val="2296697138"/>
+                  </a:ext>
+                </a:extLst>
+              </a:tr>
+              <a:tr h="279616">
+                <a:tc>
+                  <a:txBody>
+                    <a:bodyPr/>
+                    <a:lstStyle/>
+                    <a:p>
+                      <a:pPr algn="ctr" fontAlgn="b">
+                        <a:buNone/>
+                      </a:pPr>
+                      <a:r>
+                        <a:rPr lang="en-IE" sz="1200" u="none" strike="noStrike">
+                          <a:effectLst/>
+                        </a:rPr>
+                        <a:t>1</a:t>
+                      </a:r>
+                      <a:endParaRPr lang="en-IE" sz="1200" b="0" i="0" u="none" strike="noStrike">
+                        <a:solidFill>
+                          <a:srgbClr val="000000"/>
+                        </a:solidFill>
+                        <a:effectLst/>
+                        <a:latin typeface="Calibri" panose="020F0502020204030204" pitchFamily="34" charset="0"/>
+                      </a:endParaRPr>
+                    </a:p>
+                  </a:txBody>
+                  <a:tcPr marL="7620" marR="7620" marT="7620" marB="0" anchor="b"/>
+                </a:tc>
+                <a:tc>
+                  <a:txBody>
+                    <a:bodyPr/>
+                    <a:lstStyle/>
+                    <a:p>
+                      <a:pPr algn="ctr" fontAlgn="b">
+                        <a:buNone/>
+                      </a:pPr>
+                      <a:r>
+                        <a:rPr lang="en-IE" sz="1200" u="none" strike="noStrike">
+                          <a:effectLst/>
+                        </a:rPr>
+                        <a:t>Tuition</a:t>
+                      </a:r>
+                      <a:endParaRPr lang="en-IE" sz="1200" b="0" i="0" u="none" strike="noStrike">
+                        <a:solidFill>
+                          <a:srgbClr val="000000"/>
+                        </a:solidFill>
+                        <a:effectLst/>
+                        <a:latin typeface="Calibri" panose="020F0502020204030204" pitchFamily="34" charset="0"/>
+                      </a:endParaRPr>
+                    </a:p>
+                  </a:txBody>
+                  <a:tcPr marL="7620" marR="7620" marT="7620" marB="0" anchor="b"/>
+                </a:tc>
+                <a:tc>
+                  <a:txBody>
+                    <a:bodyPr/>
+                    <a:lstStyle/>
+                    <a:p>
+                      <a:pPr algn="ctr" fontAlgn="b">
+                        <a:buNone/>
+                      </a:pPr>
+                      <a:r>
+                        <a:rPr lang="en-IE" sz="1200" u="none" strike="noStrike">
+                          <a:effectLst/>
+                        </a:rPr>
+                        <a:t>19/01/2026</a:t>
+                      </a:r>
+                      <a:endParaRPr lang="en-IE" sz="1200" b="0" i="0" u="none" strike="noStrike">
+                        <a:solidFill>
+                          <a:srgbClr val="000000"/>
+                        </a:solidFill>
+                        <a:effectLst/>
+                        <a:latin typeface="Calibri" panose="020F0502020204030204" pitchFamily="34" charset="0"/>
+                      </a:endParaRPr>
+                    </a:p>
+                  </a:txBody>
+                  <a:tcPr marL="7620" marR="7620" marT="7620" marB="0" anchor="b"/>
+                </a:tc>
+                <a:extLst>
+                  <a:ext uri="{0D108BD9-81ED-4DB2-BD59-A6C34878D82A}">
+                    <a16:rowId xmlns:a16="http://schemas.microsoft.com/office/drawing/2014/main" val="4201805733"/>
+                  </a:ext>
+                </a:extLst>
+              </a:tr>
+              <a:tr h="279616">
+                <a:tc>
+                  <a:txBody>
+                    <a:bodyPr/>
+                    <a:lstStyle/>
+                    <a:p>
+                      <a:pPr algn="ctr" fontAlgn="b">
+                        <a:buNone/>
+                      </a:pPr>
+                      <a:r>
+                        <a:rPr lang="en-IE" sz="1200" u="none" strike="noStrike">
+                          <a:effectLst/>
+                        </a:rPr>
+                        <a:t>2</a:t>
+                      </a:r>
+                      <a:endParaRPr lang="en-IE" sz="1200" b="0" i="0" u="none" strike="noStrike">
+                        <a:solidFill>
+                          <a:srgbClr val="000000"/>
+                        </a:solidFill>
+                        <a:effectLst/>
+                        <a:latin typeface="Calibri" panose="020F0502020204030204" pitchFamily="34" charset="0"/>
+                      </a:endParaRPr>
+                    </a:p>
+                  </a:txBody>
+                  <a:tcPr marL="7620" marR="7620" marT="7620" marB="0" anchor="b"/>
+                </a:tc>
+                <a:tc>
+                  <a:txBody>
+                    <a:bodyPr/>
+                    <a:lstStyle/>
+                    <a:p>
+                      <a:pPr algn="ctr" fontAlgn="b">
+                        <a:buNone/>
+                      </a:pPr>
+                      <a:r>
+                        <a:rPr lang="en-IE" sz="1200" u="none" strike="noStrike">
+                          <a:effectLst/>
+                        </a:rPr>
+                        <a:t>Tuition</a:t>
+                      </a:r>
+                      <a:endParaRPr lang="en-IE" sz="1200" b="0" i="0" u="none" strike="noStrike">
+                        <a:solidFill>
+                          <a:srgbClr val="000000"/>
+                        </a:solidFill>
+                        <a:effectLst/>
+                        <a:latin typeface="Calibri" panose="020F0502020204030204" pitchFamily="34" charset="0"/>
+                      </a:endParaRPr>
+                    </a:p>
+                  </a:txBody>
+                  <a:tcPr marL="7620" marR="7620" marT="7620" marB="0" anchor="b"/>
+                </a:tc>
+                <a:tc>
+                  <a:txBody>
+                    <a:bodyPr/>
+                    <a:lstStyle/>
+                    <a:p>
+                      <a:pPr algn="ctr" fontAlgn="b">
+                        <a:buNone/>
+                      </a:pPr>
+                      <a:r>
+                        <a:rPr lang="en-IE" sz="1200" u="none" strike="noStrike">
+                          <a:effectLst/>
+                        </a:rPr>
+                        <a:t>26/01/2026</a:t>
+                      </a:r>
+                      <a:endParaRPr lang="en-IE" sz="1200" b="0" i="0" u="none" strike="noStrike">
+                        <a:solidFill>
+                          <a:srgbClr val="000000"/>
+                        </a:solidFill>
+                        <a:effectLst/>
+                        <a:latin typeface="Calibri" panose="020F0502020204030204" pitchFamily="34" charset="0"/>
+                      </a:endParaRPr>
+                    </a:p>
+                  </a:txBody>
+                  <a:tcPr marL="7620" marR="7620" marT="7620" marB="0" anchor="b"/>
+                </a:tc>
+                <a:extLst>
+                  <a:ext uri="{0D108BD9-81ED-4DB2-BD59-A6C34878D82A}">
+                    <a16:rowId xmlns:a16="http://schemas.microsoft.com/office/drawing/2014/main" val="3971317349"/>
+                  </a:ext>
+                </a:extLst>
+              </a:tr>
+              <a:tr h="279616">
+                <a:tc>
+                  <a:txBody>
+                    <a:bodyPr/>
+                    <a:lstStyle/>
+                    <a:p>
+                      <a:pPr algn="ctr" fontAlgn="b">
+                        <a:buNone/>
+                      </a:pPr>
+                      <a:r>
+                        <a:rPr lang="en-IE" sz="1200" u="none" strike="noStrike">
+                          <a:effectLst/>
+                        </a:rPr>
+                        <a:t>3</a:t>
+                      </a:r>
+                      <a:endParaRPr lang="en-IE" sz="1200" b="0" i="0" u="none" strike="noStrike">
+                        <a:solidFill>
+                          <a:srgbClr val="000000"/>
+                        </a:solidFill>
+                        <a:effectLst/>
+                        <a:latin typeface="Calibri" panose="020F0502020204030204" pitchFamily="34" charset="0"/>
+                      </a:endParaRPr>
+                    </a:p>
+                  </a:txBody>
+                  <a:tcPr marL="7620" marR="7620" marT="7620" marB="0" anchor="b"/>
+                </a:tc>
+                <a:tc>
+                  <a:txBody>
+                    <a:bodyPr/>
+                    <a:lstStyle/>
+                    <a:p>
+                      <a:pPr algn="ctr" fontAlgn="b">
+                        <a:buNone/>
+                      </a:pPr>
+                      <a:r>
+                        <a:rPr lang="en-IE" sz="1200" u="none" strike="noStrike">
+                          <a:effectLst/>
+                        </a:rPr>
+                        <a:t>Tuition</a:t>
+                      </a:r>
+                      <a:endParaRPr lang="en-IE" sz="1200" b="0" i="0" u="none" strike="noStrike">
+                        <a:solidFill>
+                          <a:srgbClr val="000000"/>
+                        </a:solidFill>
+                        <a:effectLst/>
+                        <a:latin typeface="Calibri" panose="020F0502020204030204" pitchFamily="34" charset="0"/>
+                      </a:endParaRPr>
+                    </a:p>
+                  </a:txBody>
+                  <a:tcPr marL="7620" marR="7620" marT="7620" marB="0" anchor="b"/>
+                </a:tc>
+                <a:tc>
+                  <a:txBody>
+                    <a:bodyPr/>
+                    <a:lstStyle/>
+                    <a:p>
+                      <a:pPr algn="ctr" fontAlgn="b">
+                        <a:buNone/>
+                      </a:pPr>
+                      <a:r>
+                        <a:rPr lang="en-IE" sz="1200" u="none" strike="noStrike">
+                          <a:effectLst/>
+                        </a:rPr>
+                        <a:t>02/02/2026</a:t>
+                      </a:r>
+                      <a:endParaRPr lang="en-IE" sz="1200" b="0" i="0" u="none" strike="noStrike">
+                        <a:solidFill>
+                          <a:srgbClr val="000000"/>
+                        </a:solidFill>
+                        <a:effectLst/>
+                        <a:latin typeface="Calibri" panose="020F0502020204030204" pitchFamily="34" charset="0"/>
+                      </a:endParaRPr>
+                    </a:p>
+                  </a:txBody>
+                  <a:tcPr marL="7620" marR="7620" marT="7620" marB="0" anchor="b"/>
+                </a:tc>
+                <a:extLst>
+                  <a:ext uri="{0D108BD9-81ED-4DB2-BD59-A6C34878D82A}">
+                    <a16:rowId xmlns:a16="http://schemas.microsoft.com/office/drawing/2014/main" val="2060386106"/>
+                  </a:ext>
+                </a:extLst>
+              </a:tr>
+              <a:tr h="279616">
+                <a:tc>
+                  <a:txBody>
+                    <a:bodyPr/>
+                    <a:lstStyle/>
+                    <a:p>
+                      <a:pPr algn="ctr" fontAlgn="b">
+                        <a:buNone/>
+                      </a:pPr>
+                      <a:r>
+                        <a:rPr lang="en-IE" sz="1200" u="none" strike="noStrike">
+                          <a:effectLst/>
+                        </a:rPr>
+                        <a:t>4</a:t>
+                      </a:r>
+                      <a:endParaRPr lang="en-IE" sz="1200" b="0" i="0" u="none" strike="noStrike">
+                        <a:solidFill>
+                          <a:srgbClr val="000000"/>
+                        </a:solidFill>
+                        <a:effectLst/>
+                        <a:latin typeface="Calibri" panose="020F0502020204030204" pitchFamily="34" charset="0"/>
+                      </a:endParaRPr>
+                    </a:p>
+                  </a:txBody>
+                  <a:tcPr marL="7620" marR="7620" marT="7620" marB="0" anchor="b"/>
+                </a:tc>
+                <a:tc>
+                  <a:txBody>
+                    <a:bodyPr/>
+                    <a:lstStyle/>
+                    <a:p>
+                      <a:pPr algn="ctr" fontAlgn="b">
+                        <a:buNone/>
+                      </a:pPr>
+                      <a:r>
+                        <a:rPr lang="en-IE" sz="1200" u="none" strike="noStrike">
+                          <a:effectLst/>
+                        </a:rPr>
+                        <a:t>Tuition</a:t>
+                      </a:r>
+                      <a:endParaRPr lang="en-IE" sz="1200" b="0" i="0" u="none" strike="noStrike">
+                        <a:solidFill>
+                          <a:srgbClr val="000000"/>
+                        </a:solidFill>
+                        <a:effectLst/>
+                        <a:latin typeface="Calibri" panose="020F0502020204030204" pitchFamily="34" charset="0"/>
+                      </a:endParaRPr>
+                    </a:p>
+                  </a:txBody>
+                  <a:tcPr marL="7620" marR="7620" marT="7620" marB="0" anchor="b"/>
+                </a:tc>
+                <a:tc>
+                  <a:txBody>
+                    <a:bodyPr/>
+                    <a:lstStyle/>
+                    <a:p>
+                      <a:pPr algn="ctr" fontAlgn="b">
+                        <a:buNone/>
+                      </a:pPr>
+                      <a:r>
+                        <a:rPr lang="en-IE" sz="1200" u="none" strike="noStrike">
+                          <a:effectLst/>
+                        </a:rPr>
+                        <a:t>09/02/2026</a:t>
+                      </a:r>
+                      <a:endParaRPr lang="en-IE" sz="1200" b="0" i="0" u="none" strike="noStrike">
+                        <a:solidFill>
+                          <a:srgbClr val="000000"/>
+                        </a:solidFill>
+                        <a:effectLst/>
+                        <a:latin typeface="Calibri" panose="020F0502020204030204" pitchFamily="34" charset="0"/>
+                      </a:endParaRPr>
+                    </a:p>
+                  </a:txBody>
+                  <a:tcPr marL="7620" marR="7620" marT="7620" marB="0" anchor="b"/>
+                </a:tc>
+                <a:extLst>
+                  <a:ext uri="{0D108BD9-81ED-4DB2-BD59-A6C34878D82A}">
+                    <a16:rowId xmlns:a16="http://schemas.microsoft.com/office/drawing/2014/main" val="630574671"/>
+                  </a:ext>
+                </a:extLst>
+              </a:tr>
+              <a:tr h="279616">
+                <a:tc>
+                  <a:txBody>
+                    <a:bodyPr/>
+                    <a:lstStyle/>
+                    <a:p>
+                      <a:pPr algn="ctr" fontAlgn="b">
+                        <a:buNone/>
+                      </a:pPr>
+                      <a:r>
+                        <a:rPr lang="en-IE" sz="1200" u="none" strike="noStrike">
+                          <a:effectLst/>
+                        </a:rPr>
+                        <a:t>Mid-term</a:t>
+                      </a:r>
+                      <a:endParaRPr lang="en-IE" sz="1200" b="0" i="0" u="none" strike="noStrike">
+                        <a:solidFill>
+                          <a:srgbClr val="000000"/>
+                        </a:solidFill>
+                        <a:effectLst/>
+                        <a:latin typeface="Calibri" panose="020F0502020204030204" pitchFamily="34" charset="0"/>
+                      </a:endParaRPr>
+                    </a:p>
+                  </a:txBody>
+                  <a:tcPr marL="7620" marR="7620" marT="7620" marB="0" anchor="b"/>
+                </a:tc>
+                <a:tc>
+                  <a:txBody>
+                    <a:bodyPr/>
+                    <a:lstStyle/>
+                    <a:p>
+                      <a:pPr algn="ctr" fontAlgn="b">
+                        <a:buNone/>
+                      </a:pPr>
+                      <a:r>
+                        <a:rPr lang="en-IE" sz="1200" u="none" strike="noStrike">
+                          <a:effectLst/>
+                        </a:rPr>
+                        <a:t>Reading</a:t>
+                      </a:r>
+                      <a:endParaRPr lang="en-IE" sz="1200" b="0" i="0" u="none" strike="noStrike">
+                        <a:solidFill>
+                          <a:srgbClr val="000000"/>
+                        </a:solidFill>
+                        <a:effectLst/>
+                        <a:latin typeface="Calibri" panose="020F0502020204030204" pitchFamily="34" charset="0"/>
+                      </a:endParaRPr>
+                    </a:p>
+                  </a:txBody>
+                  <a:tcPr marL="7620" marR="7620" marT="7620" marB="0" anchor="b"/>
+                </a:tc>
+                <a:tc>
+                  <a:txBody>
+                    <a:bodyPr/>
+                    <a:lstStyle/>
+                    <a:p>
+                      <a:pPr algn="ctr" fontAlgn="b">
+                        <a:buNone/>
+                      </a:pPr>
+                      <a:r>
+                        <a:rPr lang="en-IE" sz="1200" u="none" strike="noStrike">
+                          <a:effectLst/>
+                        </a:rPr>
+                        <a:t>16/02/2026</a:t>
+                      </a:r>
+                      <a:endParaRPr lang="en-IE" sz="1200" b="0" i="0" u="none" strike="noStrike">
+                        <a:solidFill>
+                          <a:srgbClr val="000000"/>
+                        </a:solidFill>
+                        <a:effectLst/>
+                        <a:latin typeface="Calibri" panose="020F0502020204030204" pitchFamily="34" charset="0"/>
+                      </a:endParaRPr>
+                    </a:p>
+                  </a:txBody>
+                  <a:tcPr marL="7620" marR="7620" marT="7620" marB="0" anchor="b"/>
+                </a:tc>
+                <a:extLst>
+                  <a:ext uri="{0D108BD9-81ED-4DB2-BD59-A6C34878D82A}">
+                    <a16:rowId xmlns:a16="http://schemas.microsoft.com/office/drawing/2014/main" val="959166912"/>
+                  </a:ext>
+                </a:extLst>
+              </a:tr>
+              <a:tr h="279616">
+                <a:tc>
+                  <a:txBody>
+                    <a:bodyPr/>
+                    <a:lstStyle/>
+                    <a:p>
+                      <a:pPr algn="ctr" fontAlgn="b">
+                        <a:buNone/>
+                      </a:pPr>
+                      <a:r>
+                        <a:rPr lang="en-IE" sz="1200" u="none" strike="noStrike">
+                          <a:effectLst/>
+                        </a:rPr>
+                        <a:t>5</a:t>
+                      </a:r>
+                      <a:endParaRPr lang="en-IE" sz="1200" b="0" i="0" u="none" strike="noStrike">
+                        <a:solidFill>
+                          <a:srgbClr val="000000"/>
+                        </a:solidFill>
+                        <a:effectLst/>
+                        <a:latin typeface="Calibri" panose="020F0502020204030204" pitchFamily="34" charset="0"/>
+                      </a:endParaRPr>
+                    </a:p>
+                  </a:txBody>
+                  <a:tcPr marL="7620" marR="7620" marT="7620" marB="0" anchor="b"/>
+                </a:tc>
+                <a:tc>
+                  <a:txBody>
+                    <a:bodyPr/>
+                    <a:lstStyle/>
+                    <a:p>
+                      <a:pPr algn="ctr" fontAlgn="b">
+                        <a:buNone/>
+                      </a:pPr>
+                      <a:r>
+                        <a:rPr lang="en-IE" sz="1200" u="none" strike="noStrike">
+                          <a:effectLst/>
+                        </a:rPr>
+                        <a:t>Tuition</a:t>
+                      </a:r>
+                      <a:endParaRPr lang="en-IE" sz="1200" b="0" i="0" u="none" strike="noStrike">
+                        <a:solidFill>
+                          <a:srgbClr val="000000"/>
+                        </a:solidFill>
+                        <a:effectLst/>
+                        <a:latin typeface="Calibri" panose="020F0502020204030204" pitchFamily="34" charset="0"/>
+                      </a:endParaRPr>
+                    </a:p>
+                  </a:txBody>
+                  <a:tcPr marL="7620" marR="7620" marT="7620" marB="0" anchor="b"/>
+                </a:tc>
+                <a:tc>
+                  <a:txBody>
+                    <a:bodyPr/>
+                    <a:lstStyle/>
+                    <a:p>
+                      <a:pPr algn="ctr" fontAlgn="b">
+                        <a:buNone/>
+                      </a:pPr>
+                      <a:r>
+                        <a:rPr lang="en-IE" sz="1200" u="none" strike="noStrike">
+                          <a:effectLst/>
+                        </a:rPr>
+                        <a:t>23/02/2026</a:t>
+                      </a:r>
+                      <a:endParaRPr lang="en-IE" sz="1200" b="0" i="0" u="none" strike="noStrike">
+                        <a:solidFill>
+                          <a:srgbClr val="000000"/>
+                        </a:solidFill>
+                        <a:effectLst/>
+                        <a:latin typeface="Calibri" panose="020F0502020204030204" pitchFamily="34" charset="0"/>
+                      </a:endParaRPr>
+                    </a:p>
+                  </a:txBody>
+                  <a:tcPr marL="7620" marR="7620" marT="7620" marB="0" anchor="b"/>
+                </a:tc>
+                <a:extLst>
+                  <a:ext uri="{0D108BD9-81ED-4DB2-BD59-A6C34878D82A}">
+                    <a16:rowId xmlns:a16="http://schemas.microsoft.com/office/drawing/2014/main" val="503648049"/>
+                  </a:ext>
+                </a:extLst>
+              </a:tr>
+              <a:tr h="279616">
+                <a:tc>
+                  <a:txBody>
+                    <a:bodyPr/>
+                    <a:lstStyle/>
+                    <a:p>
+                      <a:pPr algn="ctr" fontAlgn="b">
+                        <a:buNone/>
+                      </a:pPr>
+                      <a:r>
+                        <a:rPr lang="en-IE" sz="1200" u="none" strike="noStrike">
+                          <a:effectLst/>
+                        </a:rPr>
+                        <a:t>6</a:t>
+                      </a:r>
+                      <a:endParaRPr lang="en-IE" sz="1200" b="0" i="0" u="none" strike="noStrike">
+                        <a:solidFill>
+                          <a:srgbClr val="000000"/>
+                        </a:solidFill>
+                        <a:effectLst/>
+                        <a:latin typeface="Calibri" panose="020F0502020204030204" pitchFamily="34" charset="0"/>
+                      </a:endParaRPr>
+                    </a:p>
+                  </a:txBody>
+                  <a:tcPr marL="7620" marR="7620" marT="7620" marB="0" anchor="b"/>
+                </a:tc>
+                <a:tc>
+                  <a:txBody>
+                    <a:bodyPr/>
+                    <a:lstStyle/>
+                    <a:p>
+                      <a:pPr algn="ctr" fontAlgn="b">
+                        <a:buNone/>
+                      </a:pPr>
+                      <a:r>
+                        <a:rPr lang="en-IE" sz="1200" u="none" strike="noStrike">
+                          <a:effectLst/>
+                        </a:rPr>
+                        <a:t>Tuition</a:t>
+                      </a:r>
+                      <a:endParaRPr lang="en-IE" sz="1200" b="0" i="0" u="none" strike="noStrike">
+                        <a:solidFill>
+                          <a:srgbClr val="000000"/>
+                        </a:solidFill>
+                        <a:effectLst/>
+                        <a:latin typeface="Calibri" panose="020F0502020204030204" pitchFamily="34" charset="0"/>
+                      </a:endParaRPr>
+                    </a:p>
+                  </a:txBody>
+                  <a:tcPr marL="7620" marR="7620" marT="7620" marB="0" anchor="b"/>
+                </a:tc>
+                <a:tc>
+                  <a:txBody>
+                    <a:bodyPr/>
+                    <a:lstStyle/>
+                    <a:p>
+                      <a:pPr algn="ctr" fontAlgn="b">
+                        <a:buNone/>
+                      </a:pPr>
+                      <a:r>
+                        <a:rPr lang="en-IE" sz="1200" u="none" strike="noStrike">
+                          <a:effectLst/>
+                        </a:rPr>
+                        <a:t>02/03/2026</a:t>
+                      </a:r>
+                      <a:endParaRPr lang="en-IE" sz="1200" b="0" i="0" u="none" strike="noStrike">
+                        <a:solidFill>
+                          <a:srgbClr val="000000"/>
+                        </a:solidFill>
+                        <a:effectLst/>
+                        <a:latin typeface="Calibri" panose="020F0502020204030204" pitchFamily="34" charset="0"/>
+                      </a:endParaRPr>
+                    </a:p>
+                  </a:txBody>
+                  <a:tcPr marL="7620" marR="7620" marT="7620" marB="0" anchor="b"/>
+                </a:tc>
+                <a:extLst>
+                  <a:ext uri="{0D108BD9-81ED-4DB2-BD59-A6C34878D82A}">
+                    <a16:rowId xmlns:a16="http://schemas.microsoft.com/office/drawing/2014/main" val="3121401629"/>
+                  </a:ext>
+                </a:extLst>
+              </a:tr>
+              <a:tr h="279616">
+                <a:tc>
+                  <a:txBody>
+                    <a:bodyPr/>
+                    <a:lstStyle/>
+                    <a:p>
+                      <a:pPr algn="ctr" fontAlgn="b">
+                        <a:buNone/>
+                      </a:pPr>
+                      <a:r>
+                        <a:rPr lang="en-IE" sz="1200" u="none" strike="noStrike">
+                          <a:effectLst/>
+                        </a:rPr>
+                        <a:t>7</a:t>
+                      </a:r>
+                      <a:endParaRPr lang="en-IE" sz="1200" b="0" i="0" u="none" strike="noStrike">
+                        <a:solidFill>
+                          <a:srgbClr val="000000"/>
+                        </a:solidFill>
+                        <a:effectLst/>
+                        <a:latin typeface="Calibri" panose="020F0502020204030204" pitchFamily="34" charset="0"/>
+                      </a:endParaRPr>
+                    </a:p>
+                  </a:txBody>
+                  <a:tcPr marL="7620" marR="7620" marT="7620" marB="0" anchor="b"/>
+                </a:tc>
+                <a:tc>
+                  <a:txBody>
+                    <a:bodyPr/>
+                    <a:lstStyle/>
+                    <a:p>
+                      <a:pPr algn="ctr" fontAlgn="b">
+                        <a:buNone/>
+                      </a:pPr>
+                      <a:r>
+                        <a:rPr lang="en-IE" sz="1200" u="none" strike="noStrike">
+                          <a:effectLst/>
+                        </a:rPr>
+                        <a:t>Tuition</a:t>
+                      </a:r>
+                      <a:endParaRPr lang="en-IE" sz="1200" b="0" i="0" u="none" strike="noStrike">
+                        <a:solidFill>
+                          <a:srgbClr val="000000"/>
+                        </a:solidFill>
+                        <a:effectLst/>
+                        <a:latin typeface="Calibri" panose="020F0502020204030204" pitchFamily="34" charset="0"/>
+                      </a:endParaRPr>
+                    </a:p>
+                  </a:txBody>
+                  <a:tcPr marL="7620" marR="7620" marT="7620" marB="0" anchor="b"/>
+                </a:tc>
+                <a:tc>
+                  <a:txBody>
+                    <a:bodyPr/>
+                    <a:lstStyle/>
+                    <a:p>
+                      <a:pPr algn="ctr" fontAlgn="b">
+                        <a:buNone/>
+                      </a:pPr>
+                      <a:r>
+                        <a:rPr lang="en-IE" sz="1200" u="none" strike="noStrike">
+                          <a:effectLst/>
+                        </a:rPr>
+                        <a:t>09/03/2026</a:t>
+                      </a:r>
+                      <a:endParaRPr lang="en-IE" sz="1200" b="0" i="0" u="none" strike="noStrike">
+                        <a:solidFill>
+                          <a:srgbClr val="000000"/>
+                        </a:solidFill>
+                        <a:effectLst/>
+                        <a:latin typeface="Calibri" panose="020F0502020204030204" pitchFamily="34" charset="0"/>
+                      </a:endParaRPr>
+                    </a:p>
+                  </a:txBody>
+                  <a:tcPr marL="7620" marR="7620" marT="7620" marB="0" anchor="b"/>
+                </a:tc>
+                <a:extLst>
+                  <a:ext uri="{0D108BD9-81ED-4DB2-BD59-A6C34878D82A}">
+                    <a16:rowId xmlns:a16="http://schemas.microsoft.com/office/drawing/2014/main" val="2607222284"/>
+                  </a:ext>
+                </a:extLst>
+              </a:tr>
+              <a:tr h="279616">
+                <a:tc>
+                  <a:txBody>
+                    <a:bodyPr/>
+                    <a:lstStyle/>
+                    <a:p>
+                      <a:pPr algn="ctr" fontAlgn="b">
+                        <a:buNone/>
+                      </a:pPr>
+                      <a:r>
+                        <a:rPr lang="en-IE" sz="1200" u="none" strike="noStrike">
+                          <a:effectLst/>
+                        </a:rPr>
+                        <a:t>8</a:t>
+                      </a:r>
+                      <a:endParaRPr lang="en-IE" sz="1200" b="0" i="0" u="none" strike="noStrike">
+                        <a:solidFill>
+                          <a:srgbClr val="000000"/>
+                        </a:solidFill>
+                        <a:effectLst/>
+                        <a:latin typeface="Calibri" panose="020F0502020204030204" pitchFamily="34" charset="0"/>
+                      </a:endParaRPr>
+                    </a:p>
+                  </a:txBody>
+                  <a:tcPr marL="7620" marR="7620" marT="7620" marB="0" anchor="b"/>
+                </a:tc>
+                <a:tc>
+                  <a:txBody>
+                    <a:bodyPr/>
+                    <a:lstStyle/>
+                    <a:p>
+                      <a:pPr algn="ctr" fontAlgn="b">
+                        <a:buNone/>
+                      </a:pPr>
+                      <a:r>
+                        <a:rPr lang="en-IE" sz="1200" u="none" strike="noStrike">
+                          <a:effectLst/>
+                        </a:rPr>
+                        <a:t>Tuition</a:t>
+                      </a:r>
+                      <a:endParaRPr lang="en-IE" sz="1200" b="0" i="0" u="none" strike="noStrike">
+                        <a:solidFill>
+                          <a:srgbClr val="000000"/>
+                        </a:solidFill>
+                        <a:effectLst/>
+                        <a:latin typeface="Calibri" panose="020F0502020204030204" pitchFamily="34" charset="0"/>
+                      </a:endParaRPr>
+                    </a:p>
+                  </a:txBody>
+                  <a:tcPr marL="7620" marR="7620" marT="7620" marB="0" anchor="b"/>
+                </a:tc>
+                <a:tc>
+                  <a:txBody>
+                    <a:bodyPr/>
+                    <a:lstStyle/>
+                    <a:p>
+                      <a:pPr algn="ctr" fontAlgn="b">
+                        <a:buNone/>
+                      </a:pPr>
+                      <a:r>
+                        <a:rPr lang="en-IE" sz="1200" u="none" strike="noStrike">
+                          <a:effectLst/>
+                        </a:rPr>
+                        <a:t>16/03/2026</a:t>
+                      </a:r>
+                      <a:endParaRPr lang="en-IE" sz="1200" b="0" i="0" u="none" strike="noStrike">
+                        <a:solidFill>
+                          <a:srgbClr val="000000"/>
+                        </a:solidFill>
+                        <a:effectLst/>
+                        <a:latin typeface="Calibri" panose="020F0502020204030204" pitchFamily="34" charset="0"/>
+                      </a:endParaRPr>
+                    </a:p>
+                  </a:txBody>
+                  <a:tcPr marL="7620" marR="7620" marT="7620" marB="0" anchor="b"/>
+                </a:tc>
+                <a:extLst>
+                  <a:ext uri="{0D108BD9-81ED-4DB2-BD59-A6C34878D82A}">
+                    <a16:rowId xmlns:a16="http://schemas.microsoft.com/office/drawing/2014/main" val="714776111"/>
+                  </a:ext>
+                </a:extLst>
+              </a:tr>
+              <a:tr h="279616">
+                <a:tc>
+                  <a:txBody>
+                    <a:bodyPr/>
+                    <a:lstStyle/>
+                    <a:p>
+                      <a:pPr algn="ctr" fontAlgn="b">
+                        <a:buNone/>
+                      </a:pPr>
+                      <a:r>
+                        <a:rPr lang="en-IE" sz="1200" u="none" strike="noStrike">
+                          <a:effectLst/>
+                        </a:rPr>
+                        <a:t>9</a:t>
+                      </a:r>
+                      <a:endParaRPr lang="en-IE" sz="1200" b="0" i="0" u="none" strike="noStrike">
+                        <a:solidFill>
+                          <a:srgbClr val="000000"/>
+                        </a:solidFill>
+                        <a:effectLst/>
+                        <a:latin typeface="Calibri" panose="020F0502020204030204" pitchFamily="34" charset="0"/>
+                      </a:endParaRPr>
+                    </a:p>
+                  </a:txBody>
+                  <a:tcPr marL="7620" marR="7620" marT="7620" marB="0" anchor="b"/>
+                </a:tc>
+                <a:tc>
+                  <a:txBody>
+                    <a:bodyPr/>
+                    <a:lstStyle/>
+                    <a:p>
+                      <a:pPr algn="ctr" fontAlgn="b">
+                        <a:buNone/>
+                      </a:pPr>
+                      <a:r>
+                        <a:rPr lang="en-IE" sz="1200" u="none" strike="noStrike">
+                          <a:effectLst/>
+                        </a:rPr>
+                        <a:t>Tuition</a:t>
+                      </a:r>
+                      <a:endParaRPr lang="en-IE" sz="1200" b="0" i="0" u="none" strike="noStrike">
+                        <a:solidFill>
+                          <a:srgbClr val="000000"/>
+                        </a:solidFill>
+                        <a:effectLst/>
+                        <a:latin typeface="Calibri" panose="020F0502020204030204" pitchFamily="34" charset="0"/>
+                      </a:endParaRPr>
+                    </a:p>
+                  </a:txBody>
+                  <a:tcPr marL="7620" marR="7620" marT="7620" marB="0" anchor="b"/>
+                </a:tc>
+                <a:tc>
+                  <a:txBody>
+                    <a:bodyPr/>
+                    <a:lstStyle/>
+                    <a:p>
+                      <a:pPr algn="ctr" fontAlgn="b">
+                        <a:buNone/>
+                      </a:pPr>
+                      <a:r>
+                        <a:rPr lang="en-IE" sz="1200" u="none" strike="noStrike">
+                          <a:effectLst/>
+                        </a:rPr>
+                        <a:t>23/03/2026</a:t>
+                      </a:r>
+                      <a:endParaRPr lang="en-IE" sz="1200" b="0" i="0" u="none" strike="noStrike">
+                        <a:solidFill>
+                          <a:srgbClr val="000000"/>
+                        </a:solidFill>
+                        <a:effectLst/>
+                        <a:latin typeface="Calibri" panose="020F0502020204030204" pitchFamily="34" charset="0"/>
+                      </a:endParaRPr>
+                    </a:p>
+                  </a:txBody>
+                  <a:tcPr marL="7620" marR="7620" marT="7620" marB="0" anchor="b"/>
+                </a:tc>
+                <a:extLst>
+                  <a:ext uri="{0D108BD9-81ED-4DB2-BD59-A6C34878D82A}">
+                    <a16:rowId xmlns:a16="http://schemas.microsoft.com/office/drawing/2014/main" val="3156822697"/>
+                  </a:ext>
+                </a:extLst>
+              </a:tr>
+              <a:tr h="279616">
+                <a:tc>
+                  <a:txBody>
+                    <a:bodyPr/>
+                    <a:lstStyle/>
+                    <a:p>
+                      <a:pPr algn="ctr" fontAlgn="b">
+                        <a:buNone/>
+                      </a:pPr>
+                      <a:r>
+                        <a:rPr lang="en-IE" sz="1200" u="none" strike="noStrike">
+                          <a:effectLst/>
+                        </a:rPr>
+                        <a:t>Easter</a:t>
+                      </a:r>
+                      <a:endParaRPr lang="en-IE" sz="1200" b="0" i="0" u="none" strike="noStrike">
+                        <a:solidFill>
+                          <a:srgbClr val="000000"/>
+                        </a:solidFill>
+                        <a:effectLst/>
+                        <a:latin typeface="Calibri" panose="020F0502020204030204" pitchFamily="34" charset="0"/>
+                      </a:endParaRPr>
+                    </a:p>
+                  </a:txBody>
+                  <a:tcPr marL="7620" marR="7620" marT="7620" marB="0" anchor="b"/>
+                </a:tc>
+                <a:tc>
+                  <a:txBody>
+                    <a:bodyPr/>
+                    <a:lstStyle/>
+                    <a:p>
+                      <a:pPr algn="ctr" fontAlgn="b">
+                        <a:buNone/>
+                      </a:pPr>
+                      <a:r>
+                        <a:rPr lang="en-IE" sz="1200" u="none" strike="noStrike">
+                          <a:effectLst/>
+                        </a:rPr>
+                        <a:t>Reading</a:t>
+                      </a:r>
+                      <a:endParaRPr lang="en-IE" sz="1200" b="0" i="0" u="none" strike="noStrike">
+                        <a:solidFill>
+                          <a:srgbClr val="000000"/>
+                        </a:solidFill>
+                        <a:effectLst/>
+                        <a:latin typeface="Calibri" panose="020F0502020204030204" pitchFamily="34" charset="0"/>
+                      </a:endParaRPr>
+                    </a:p>
+                  </a:txBody>
+                  <a:tcPr marL="7620" marR="7620" marT="7620" marB="0" anchor="b"/>
+                </a:tc>
+                <a:tc>
+                  <a:txBody>
+                    <a:bodyPr/>
+                    <a:lstStyle/>
+                    <a:p>
+                      <a:pPr algn="ctr" fontAlgn="b">
+                        <a:buNone/>
+                      </a:pPr>
+                      <a:r>
+                        <a:rPr lang="en-IE" sz="1200" u="none" strike="noStrike">
+                          <a:effectLst/>
+                        </a:rPr>
+                        <a:t>30/03/2026</a:t>
+                      </a:r>
+                      <a:endParaRPr lang="en-IE" sz="1200" b="0" i="0" u="none" strike="noStrike">
+                        <a:solidFill>
+                          <a:srgbClr val="000000"/>
+                        </a:solidFill>
+                        <a:effectLst/>
+                        <a:latin typeface="Calibri" panose="020F0502020204030204" pitchFamily="34" charset="0"/>
+                      </a:endParaRPr>
+                    </a:p>
+                  </a:txBody>
+                  <a:tcPr marL="7620" marR="7620" marT="7620" marB="0" anchor="b"/>
+                </a:tc>
+                <a:extLst>
+                  <a:ext uri="{0D108BD9-81ED-4DB2-BD59-A6C34878D82A}">
+                    <a16:rowId xmlns:a16="http://schemas.microsoft.com/office/drawing/2014/main" val="3329303372"/>
+                  </a:ext>
+                </a:extLst>
+              </a:tr>
+              <a:tr h="279616">
+                <a:tc>
+                  <a:txBody>
+                    <a:bodyPr/>
+                    <a:lstStyle/>
+                    <a:p>
+                      <a:pPr algn="ctr" fontAlgn="b">
+                        <a:buNone/>
+                      </a:pPr>
+                      <a:r>
+                        <a:rPr lang="en-IE" sz="1200" u="none" strike="noStrike">
+                          <a:effectLst/>
+                        </a:rPr>
+                        <a:t>Easter</a:t>
+                      </a:r>
+                      <a:endParaRPr lang="en-IE" sz="1200" b="0" i="0" u="none" strike="noStrike">
+                        <a:solidFill>
+                          <a:srgbClr val="000000"/>
+                        </a:solidFill>
+                        <a:effectLst/>
+                        <a:latin typeface="Calibri" panose="020F0502020204030204" pitchFamily="34" charset="0"/>
+                      </a:endParaRPr>
+                    </a:p>
+                  </a:txBody>
+                  <a:tcPr marL="7620" marR="7620" marT="7620" marB="0" anchor="b"/>
+                </a:tc>
+                <a:tc>
+                  <a:txBody>
+                    <a:bodyPr/>
+                    <a:lstStyle/>
+                    <a:p>
+                      <a:pPr algn="ctr" fontAlgn="b">
+                        <a:buNone/>
+                      </a:pPr>
+                      <a:r>
+                        <a:rPr lang="en-IE" sz="1200" u="none" strike="noStrike">
+                          <a:effectLst/>
+                        </a:rPr>
+                        <a:t>Reading</a:t>
+                      </a:r>
+                      <a:endParaRPr lang="en-IE" sz="1200" b="0" i="0" u="none" strike="noStrike">
+                        <a:solidFill>
+                          <a:srgbClr val="000000"/>
+                        </a:solidFill>
+                        <a:effectLst/>
+                        <a:latin typeface="Calibri" panose="020F0502020204030204" pitchFamily="34" charset="0"/>
+                      </a:endParaRPr>
+                    </a:p>
+                  </a:txBody>
+                  <a:tcPr marL="7620" marR="7620" marT="7620" marB="0" anchor="b"/>
+                </a:tc>
+                <a:tc>
+                  <a:txBody>
+                    <a:bodyPr/>
+                    <a:lstStyle/>
+                    <a:p>
+                      <a:pPr algn="ctr" fontAlgn="b">
+                        <a:buNone/>
+                      </a:pPr>
+                      <a:r>
+                        <a:rPr lang="en-IE" sz="1200" u="none" strike="noStrike">
+                          <a:effectLst/>
+                        </a:rPr>
+                        <a:t>06/04/2026</a:t>
+                      </a:r>
+                      <a:endParaRPr lang="en-IE" sz="1200" b="0" i="0" u="none" strike="noStrike">
+                        <a:solidFill>
+                          <a:srgbClr val="000000"/>
+                        </a:solidFill>
+                        <a:effectLst/>
+                        <a:latin typeface="Calibri" panose="020F0502020204030204" pitchFamily="34" charset="0"/>
+                      </a:endParaRPr>
+                    </a:p>
+                  </a:txBody>
+                  <a:tcPr marL="7620" marR="7620" marT="7620" marB="0" anchor="b"/>
+                </a:tc>
+                <a:extLst>
+                  <a:ext uri="{0D108BD9-81ED-4DB2-BD59-A6C34878D82A}">
+                    <a16:rowId xmlns:a16="http://schemas.microsoft.com/office/drawing/2014/main" val="2334439416"/>
+                  </a:ext>
+                </a:extLst>
+              </a:tr>
+              <a:tr h="279616">
+                <a:tc>
+                  <a:txBody>
+                    <a:bodyPr/>
+                    <a:lstStyle/>
+                    <a:p>
+                      <a:pPr algn="ctr" fontAlgn="b">
+                        <a:buNone/>
+                      </a:pPr>
+                      <a:r>
+                        <a:rPr lang="en-IE" sz="1200" u="none" strike="noStrike">
+                          <a:effectLst/>
+                        </a:rPr>
+                        <a:t>10</a:t>
+                      </a:r>
+                      <a:endParaRPr lang="en-IE" sz="1200" b="0" i="0" u="none" strike="noStrike">
+                        <a:solidFill>
+                          <a:srgbClr val="000000"/>
+                        </a:solidFill>
+                        <a:effectLst/>
+                        <a:latin typeface="Calibri" panose="020F0502020204030204" pitchFamily="34" charset="0"/>
+                      </a:endParaRPr>
+                    </a:p>
+                  </a:txBody>
+                  <a:tcPr marL="7620" marR="7620" marT="7620" marB="0" anchor="b"/>
+                </a:tc>
+                <a:tc>
+                  <a:txBody>
+                    <a:bodyPr/>
+                    <a:lstStyle/>
+                    <a:p>
+                      <a:pPr algn="ctr" fontAlgn="b">
+                        <a:buNone/>
+                      </a:pPr>
+                      <a:r>
+                        <a:rPr lang="en-IE" sz="1200" u="none" strike="noStrike">
+                          <a:effectLst/>
+                        </a:rPr>
+                        <a:t>Tuition</a:t>
+                      </a:r>
+                      <a:endParaRPr lang="en-IE" sz="1200" b="0" i="0" u="none" strike="noStrike">
+                        <a:solidFill>
+                          <a:srgbClr val="000000"/>
+                        </a:solidFill>
+                        <a:effectLst/>
+                        <a:latin typeface="Calibri" panose="020F0502020204030204" pitchFamily="34" charset="0"/>
+                      </a:endParaRPr>
+                    </a:p>
+                  </a:txBody>
+                  <a:tcPr marL="7620" marR="7620" marT="7620" marB="0" anchor="b"/>
+                </a:tc>
+                <a:tc>
+                  <a:txBody>
+                    <a:bodyPr/>
+                    <a:lstStyle/>
+                    <a:p>
+                      <a:pPr algn="ctr" fontAlgn="b">
+                        <a:buNone/>
+                      </a:pPr>
+                      <a:r>
+                        <a:rPr lang="en-IE" sz="1200" u="none" strike="noStrike">
+                          <a:effectLst/>
+                        </a:rPr>
+                        <a:t>13/04/2026</a:t>
+                      </a:r>
+                      <a:endParaRPr lang="en-IE" sz="1200" b="0" i="0" u="none" strike="noStrike">
+                        <a:solidFill>
+                          <a:srgbClr val="000000"/>
+                        </a:solidFill>
+                        <a:effectLst/>
+                        <a:latin typeface="Calibri" panose="020F0502020204030204" pitchFamily="34" charset="0"/>
+                      </a:endParaRPr>
+                    </a:p>
+                  </a:txBody>
+                  <a:tcPr marL="7620" marR="7620" marT="7620" marB="0" anchor="b"/>
+                </a:tc>
+                <a:extLst>
+                  <a:ext uri="{0D108BD9-81ED-4DB2-BD59-A6C34878D82A}">
+                    <a16:rowId xmlns:a16="http://schemas.microsoft.com/office/drawing/2014/main" val="686804948"/>
+                  </a:ext>
+                </a:extLst>
+              </a:tr>
+              <a:tr h="279616">
+                <a:tc>
+                  <a:txBody>
+                    <a:bodyPr/>
+                    <a:lstStyle/>
+                    <a:p>
+                      <a:pPr algn="ctr" fontAlgn="b">
+                        <a:buNone/>
+                      </a:pPr>
+                      <a:r>
+                        <a:rPr lang="en-IE" sz="1200" u="none" strike="noStrike">
+                          <a:effectLst/>
+                        </a:rPr>
+                        <a:t>11</a:t>
+                      </a:r>
+                      <a:endParaRPr lang="en-IE" sz="1200" b="0" i="0" u="none" strike="noStrike">
+                        <a:solidFill>
+                          <a:srgbClr val="000000"/>
+                        </a:solidFill>
+                        <a:effectLst/>
+                        <a:latin typeface="Calibri" panose="020F0502020204030204" pitchFamily="34" charset="0"/>
+                      </a:endParaRPr>
+                    </a:p>
+                  </a:txBody>
+                  <a:tcPr marL="7620" marR="7620" marT="7620" marB="0" anchor="b"/>
+                </a:tc>
+                <a:tc>
+                  <a:txBody>
+                    <a:bodyPr/>
+                    <a:lstStyle/>
+                    <a:p>
+                      <a:pPr algn="ctr" fontAlgn="b">
+                        <a:buNone/>
+                      </a:pPr>
+                      <a:r>
+                        <a:rPr lang="en-IE" sz="1200" u="none" strike="noStrike">
+                          <a:effectLst/>
+                        </a:rPr>
+                        <a:t>Tuition</a:t>
+                      </a:r>
+                      <a:endParaRPr lang="en-IE" sz="1200" b="0" i="0" u="none" strike="noStrike">
+                        <a:solidFill>
+                          <a:srgbClr val="000000"/>
+                        </a:solidFill>
+                        <a:effectLst/>
+                        <a:latin typeface="Calibri" panose="020F0502020204030204" pitchFamily="34" charset="0"/>
+                      </a:endParaRPr>
+                    </a:p>
+                  </a:txBody>
+                  <a:tcPr marL="7620" marR="7620" marT="7620" marB="0" anchor="b"/>
+                </a:tc>
+                <a:tc>
+                  <a:txBody>
+                    <a:bodyPr/>
+                    <a:lstStyle/>
+                    <a:p>
+                      <a:pPr algn="ctr" fontAlgn="b">
+                        <a:buNone/>
+                      </a:pPr>
+                      <a:r>
+                        <a:rPr lang="en-IE" sz="1200" u="none" strike="noStrike">
+                          <a:effectLst/>
+                        </a:rPr>
+                        <a:t>20/04/2026</a:t>
+                      </a:r>
+                      <a:endParaRPr lang="en-IE" sz="1200" b="0" i="0" u="none" strike="noStrike">
+                        <a:solidFill>
+                          <a:srgbClr val="000000"/>
+                        </a:solidFill>
+                        <a:effectLst/>
+                        <a:latin typeface="Calibri" panose="020F0502020204030204" pitchFamily="34" charset="0"/>
+                      </a:endParaRPr>
+                    </a:p>
+                  </a:txBody>
+                  <a:tcPr marL="7620" marR="7620" marT="7620" marB="0" anchor="b"/>
+                </a:tc>
+                <a:extLst>
+                  <a:ext uri="{0D108BD9-81ED-4DB2-BD59-A6C34878D82A}">
+                    <a16:rowId xmlns:a16="http://schemas.microsoft.com/office/drawing/2014/main" val="1281612606"/>
+                  </a:ext>
+                </a:extLst>
+              </a:tr>
+              <a:tr h="279616">
+                <a:tc>
+                  <a:txBody>
+                    <a:bodyPr/>
+                    <a:lstStyle/>
+                    <a:p>
+                      <a:pPr algn="ctr" fontAlgn="b">
+                        <a:buNone/>
+                      </a:pPr>
+                      <a:r>
+                        <a:rPr lang="en-IE" sz="1200" u="none" strike="noStrike">
+                          <a:effectLst/>
+                        </a:rPr>
+                        <a:t>12</a:t>
+                      </a:r>
+                      <a:endParaRPr lang="en-IE" sz="1200" b="0" i="0" u="none" strike="noStrike">
+                        <a:solidFill>
+                          <a:srgbClr val="000000"/>
+                        </a:solidFill>
+                        <a:effectLst/>
+                        <a:latin typeface="Calibri" panose="020F0502020204030204" pitchFamily="34" charset="0"/>
+                      </a:endParaRPr>
+                    </a:p>
+                  </a:txBody>
+                  <a:tcPr marL="7620" marR="7620" marT="7620" marB="0" anchor="b"/>
+                </a:tc>
+                <a:tc>
+                  <a:txBody>
+                    <a:bodyPr/>
+                    <a:lstStyle/>
+                    <a:p>
+                      <a:pPr algn="ctr" fontAlgn="b">
+                        <a:buNone/>
+                      </a:pPr>
+                      <a:r>
+                        <a:rPr lang="en-IE" sz="1200" u="none" strike="noStrike">
+                          <a:effectLst/>
+                        </a:rPr>
+                        <a:t>Tuition</a:t>
+                      </a:r>
+                      <a:endParaRPr lang="en-IE" sz="1200" b="0" i="0" u="none" strike="noStrike">
+                        <a:solidFill>
+                          <a:srgbClr val="000000"/>
+                        </a:solidFill>
+                        <a:effectLst/>
+                        <a:latin typeface="Calibri" panose="020F0502020204030204" pitchFamily="34" charset="0"/>
+                      </a:endParaRPr>
+                    </a:p>
+                  </a:txBody>
+                  <a:tcPr marL="7620" marR="7620" marT="7620" marB="0" anchor="b"/>
+                </a:tc>
+                <a:tc>
+                  <a:txBody>
+                    <a:bodyPr/>
+                    <a:lstStyle/>
+                    <a:p>
+                      <a:pPr algn="ctr" fontAlgn="b">
+                        <a:buNone/>
+                      </a:pPr>
+                      <a:r>
+                        <a:rPr lang="en-IE" sz="1200" u="none" strike="noStrike">
+                          <a:effectLst/>
+                        </a:rPr>
+                        <a:t>27/04/2026</a:t>
+                      </a:r>
+                      <a:endParaRPr lang="en-IE" sz="1200" b="0" i="0" u="none" strike="noStrike">
+                        <a:solidFill>
+                          <a:srgbClr val="000000"/>
+                        </a:solidFill>
+                        <a:effectLst/>
+                        <a:latin typeface="Calibri" panose="020F0502020204030204" pitchFamily="34" charset="0"/>
+                      </a:endParaRPr>
+                    </a:p>
+                  </a:txBody>
+                  <a:tcPr marL="7620" marR="7620" marT="7620" marB="0" anchor="b"/>
+                </a:tc>
+                <a:extLst>
+                  <a:ext uri="{0D108BD9-81ED-4DB2-BD59-A6C34878D82A}">
+                    <a16:rowId xmlns:a16="http://schemas.microsoft.com/office/drawing/2014/main" val="24273202"/>
+                  </a:ext>
+                </a:extLst>
+              </a:tr>
+              <a:tr h="279616">
+                <a:tc>
+                  <a:txBody>
+                    <a:bodyPr/>
+                    <a:lstStyle/>
+                    <a:p>
+                      <a:pPr algn="ctr" fontAlgn="b">
+                        <a:buNone/>
+                      </a:pPr>
+                      <a:r>
+                        <a:rPr lang="en-IE" sz="1200" u="none" strike="noStrike">
+                          <a:effectLst/>
+                        </a:rPr>
+                        <a:t>Study Week</a:t>
+                      </a:r>
+                      <a:endParaRPr lang="en-IE" sz="1200" b="0" i="0" u="none" strike="noStrike">
+                        <a:solidFill>
+                          <a:srgbClr val="000000"/>
+                        </a:solidFill>
+                        <a:effectLst/>
+                        <a:latin typeface="Calibri" panose="020F0502020204030204" pitchFamily="34" charset="0"/>
+                      </a:endParaRPr>
+                    </a:p>
+                  </a:txBody>
+                  <a:tcPr marL="7620" marR="7620" marT="7620" marB="0" anchor="b"/>
+                </a:tc>
+                <a:tc>
+                  <a:txBody>
+                    <a:bodyPr/>
+                    <a:lstStyle/>
+                    <a:p>
+                      <a:pPr algn="ctr" fontAlgn="b">
+                        <a:buNone/>
+                      </a:pPr>
+                      <a:r>
+                        <a:rPr lang="en-IE" sz="1200" u="none" strike="noStrike">
+                          <a:effectLst/>
+                        </a:rPr>
+                        <a:t>Reading</a:t>
+                      </a:r>
+                      <a:endParaRPr lang="en-IE" sz="1200" b="0" i="0" u="none" strike="noStrike">
+                        <a:solidFill>
+                          <a:srgbClr val="000000"/>
+                        </a:solidFill>
+                        <a:effectLst/>
+                        <a:latin typeface="Calibri" panose="020F0502020204030204" pitchFamily="34" charset="0"/>
+                      </a:endParaRPr>
+                    </a:p>
+                  </a:txBody>
+                  <a:tcPr marL="7620" marR="7620" marT="7620" marB="0" anchor="b"/>
+                </a:tc>
+                <a:tc>
+                  <a:txBody>
+                    <a:bodyPr/>
+                    <a:lstStyle/>
+                    <a:p>
+                      <a:pPr algn="ctr" fontAlgn="b">
+                        <a:buNone/>
+                      </a:pPr>
+                      <a:r>
+                        <a:rPr lang="en-IE" sz="1200" u="none" strike="noStrike" dirty="0">
+                          <a:effectLst/>
+                        </a:rPr>
+                        <a:t>04/05/2026</a:t>
+                      </a:r>
+                      <a:endParaRPr lang="en-IE" sz="1200" b="0" i="0" u="none" strike="noStrike" dirty="0">
+                        <a:solidFill>
+                          <a:srgbClr val="000000"/>
+                        </a:solidFill>
+                        <a:effectLst/>
+                        <a:latin typeface="Calibri" panose="020F0502020204030204" pitchFamily="34" charset="0"/>
+                      </a:endParaRPr>
+                    </a:p>
+                  </a:txBody>
+                  <a:tcPr marL="7620" marR="7620" marT="7620" marB="0" anchor="b"/>
+                </a:tc>
+                <a:extLst>
+                  <a:ext uri="{0D108BD9-81ED-4DB2-BD59-A6C34878D82A}">
+                    <a16:rowId xmlns:a16="http://schemas.microsoft.com/office/drawing/2014/main" val="2064009795"/>
+                  </a:ext>
+                </a:extLst>
+              </a:tr>
+            </a:tbl>
+          </a:graphicData>
+        </a:graphic>
+      </p:graphicFrame>
       <p:pic>
         <p:nvPicPr>
-          <p:cNvPr id="6" name="Picture 5">
+          <p:cNvPr id="7" name="Picture 6">
             <a:extLst>
               <a:ext uri="{FF2B5EF4-FFF2-40B4-BE49-F238E27FC236}">
-                <a16:creationId xmlns:a16="http://schemas.microsoft.com/office/drawing/2014/main" id="{1AA2AC33-F671-4435-7F16-0D52C0C10FE3}"/>
+                <a16:creationId xmlns:a16="http://schemas.microsoft.com/office/drawing/2014/main" id="{733234BF-1937-8CBE-75C8-8A4015AF9748}"/>
               </a:ext>
             </a:extLst>
           </p:cNvPr>
@@ -11884,57 +14318,15 @@
           <p:nvPr/>
         </p:nvPicPr>
         <p:blipFill>
-          <a:blip r:embed="rId2">
-            <a:extLst>
-              <a:ext uri="{28A0092B-C50C-407E-A947-70E740481C1C}">
-                <a14:useLocalDpi xmlns:a14="http://schemas.microsoft.com/office/drawing/2010/main" val="0"/>
-              </a:ext>
-            </a:extLst>
-          </a:blip>
+          <a:blip r:embed="rId2"/>
           <a:stretch>
             <a:fillRect/>
           </a:stretch>
         </p:blipFill>
         <p:spPr>
           <a:xfrm>
-            <a:off x="5943600" y="296409"/>
-            <a:ext cx="5232400" cy="927100"/>
-          </a:xfrm>
-          <a:prstGeom prst="rect">
-            <a:avLst/>
-          </a:prstGeom>
-        </p:spPr>
-      </p:pic>
-      <p:pic>
-        <p:nvPicPr>
-          <p:cNvPr id="5" name="Picture 4">
-            <a:extLst>
-              <a:ext uri="{FF2B5EF4-FFF2-40B4-BE49-F238E27FC236}">
-                <a16:creationId xmlns:a16="http://schemas.microsoft.com/office/drawing/2014/main" id="{B6B81760-E843-42A5-0D0A-61DB2A91B66F}"/>
-              </a:ext>
-            </a:extLst>
-          </p:cNvPr>
-          <p:cNvPicPr>
-            <a:picLocks noChangeAspect="1"/>
-          </p:cNvPicPr>
-          <p:nvPr/>
-        </p:nvPicPr>
-        <p:blipFill>
-          <a:blip r:embed="rId3">
-            <a:extLst>
-              <a:ext uri="{28A0092B-C50C-407E-A947-70E740481C1C}">
-                <a14:useLocalDpi xmlns:a14="http://schemas.microsoft.com/office/drawing/2010/main" val="0"/>
-              </a:ext>
-            </a:extLst>
-          </a:blip>
-          <a:stretch>
-            <a:fillRect/>
-          </a:stretch>
-        </p:blipFill>
-        <p:spPr>
-          <a:xfrm>
-            <a:off x="6248400" y="1440327"/>
-            <a:ext cx="5043812" cy="5318124"/>
+            <a:off x="4667126" y="137417"/>
+            <a:ext cx="5086474" cy="1261445"/>
           </a:xfrm>
           <a:prstGeom prst="rect">
             <a:avLst/>
@@ -11955,7 +14347,7 @@
 </file>
 
 <file path=ppt/theme/theme1.xml><?xml version="1.0" encoding="utf-8"?>
-<a:theme xmlns:a="http://schemas.openxmlformats.org/drawingml/2006/main" name="Office Theme">
+<a:theme xmlns:a="http://schemas.openxmlformats.org/drawingml/2006/main" name="a-processing-mouse-event-methods">
   <a:themeElements>
     <a:clrScheme name="Office">
       <a:dk1>
